--- a/docker-outside-of-vscode-devcontainer/images/figures.pptx
+++ b/docker-outside-of-vscode-devcontainer/images/figures.pptx
@@ -6,6 +6,9 @@
   </p:sldMasterIdLst>
   <p:sldIdLst>
     <p:sldId id="256" r:id="rId2"/>
+    <p:sldId id="258" r:id="rId3"/>
+    <p:sldId id="257" r:id="rId4"/>
+    <p:sldId id="259" r:id="rId5"/>
   </p:sldIdLst>
   <p:sldSz cx="12192000" cy="6858000"/>
   <p:notesSz cx="6858000" cy="9144000"/>
@@ -259,7 +262,7 @@
           <a:p>
             <a:fld id="{3529557E-4AFE-4BD1-BBF5-F82B436F9863}" type="datetimeFigureOut">
               <a:rPr kumimoji="1" lang="ja-JP" altLang="en-US" smtClean="0"/>
-              <a:t>2021/6/2</a:t>
+              <a:t>2021/6/3</a:t>
             </a:fld>
             <a:endParaRPr kumimoji="1" lang="ja-JP" altLang="en-US"/>
           </a:p>
@@ -489,7 +492,7 @@
           <a:p>
             <a:fld id="{3529557E-4AFE-4BD1-BBF5-F82B436F9863}" type="datetimeFigureOut">
               <a:rPr kumimoji="1" lang="ja-JP" altLang="en-US" smtClean="0"/>
-              <a:t>2021/6/2</a:t>
+              <a:t>2021/6/3</a:t>
             </a:fld>
             <a:endParaRPr kumimoji="1" lang="ja-JP" altLang="en-US"/>
           </a:p>
@@ -729,7 +732,7 @@
           <a:p>
             <a:fld id="{3529557E-4AFE-4BD1-BBF5-F82B436F9863}" type="datetimeFigureOut">
               <a:rPr kumimoji="1" lang="ja-JP" altLang="en-US" smtClean="0"/>
-              <a:t>2021/6/2</a:t>
+              <a:t>2021/6/3</a:t>
             </a:fld>
             <a:endParaRPr kumimoji="1" lang="ja-JP" altLang="en-US"/>
           </a:p>
@@ -959,7 +962,7 @@
           <a:p>
             <a:fld id="{3529557E-4AFE-4BD1-BBF5-F82B436F9863}" type="datetimeFigureOut">
               <a:rPr kumimoji="1" lang="ja-JP" altLang="en-US" smtClean="0"/>
-              <a:t>2021/6/2</a:t>
+              <a:t>2021/6/3</a:t>
             </a:fld>
             <a:endParaRPr kumimoji="1" lang="ja-JP" altLang="en-US"/>
           </a:p>
@@ -1234,7 +1237,7 @@
           <a:p>
             <a:fld id="{3529557E-4AFE-4BD1-BBF5-F82B436F9863}" type="datetimeFigureOut">
               <a:rPr kumimoji="1" lang="ja-JP" altLang="en-US" smtClean="0"/>
-              <a:t>2021/6/2</a:t>
+              <a:t>2021/6/3</a:t>
             </a:fld>
             <a:endParaRPr kumimoji="1" lang="ja-JP" altLang="en-US"/>
           </a:p>
@@ -1563,7 +1566,7 @@
           <a:p>
             <a:fld id="{3529557E-4AFE-4BD1-BBF5-F82B436F9863}" type="datetimeFigureOut">
               <a:rPr kumimoji="1" lang="ja-JP" altLang="en-US" smtClean="0"/>
-              <a:t>2021/6/2</a:t>
+              <a:t>2021/6/3</a:t>
             </a:fld>
             <a:endParaRPr kumimoji="1" lang="ja-JP" altLang="en-US"/>
           </a:p>
@@ -2039,7 +2042,7 @@
           <a:p>
             <a:fld id="{3529557E-4AFE-4BD1-BBF5-F82B436F9863}" type="datetimeFigureOut">
               <a:rPr kumimoji="1" lang="ja-JP" altLang="en-US" smtClean="0"/>
-              <a:t>2021/6/2</a:t>
+              <a:t>2021/6/3</a:t>
             </a:fld>
             <a:endParaRPr kumimoji="1" lang="ja-JP" altLang="en-US"/>
           </a:p>
@@ -2180,7 +2183,7 @@
           <a:p>
             <a:fld id="{3529557E-4AFE-4BD1-BBF5-F82B436F9863}" type="datetimeFigureOut">
               <a:rPr kumimoji="1" lang="ja-JP" altLang="en-US" smtClean="0"/>
-              <a:t>2021/6/2</a:t>
+              <a:t>2021/6/3</a:t>
             </a:fld>
             <a:endParaRPr kumimoji="1" lang="ja-JP" altLang="en-US"/>
           </a:p>
@@ -2293,7 +2296,7 @@
           <a:p>
             <a:fld id="{3529557E-4AFE-4BD1-BBF5-F82B436F9863}" type="datetimeFigureOut">
               <a:rPr kumimoji="1" lang="ja-JP" altLang="en-US" smtClean="0"/>
-              <a:t>2021/6/2</a:t>
+              <a:t>2021/6/3</a:t>
             </a:fld>
             <a:endParaRPr kumimoji="1" lang="ja-JP" altLang="en-US"/>
           </a:p>
@@ -2636,7 +2639,7 @@
           <a:p>
             <a:fld id="{3529557E-4AFE-4BD1-BBF5-F82B436F9863}" type="datetimeFigureOut">
               <a:rPr kumimoji="1" lang="ja-JP" altLang="en-US" smtClean="0"/>
-              <a:t>2021/6/2</a:t>
+              <a:t>2021/6/3</a:t>
             </a:fld>
             <a:endParaRPr kumimoji="1" lang="ja-JP" altLang="en-US"/>
           </a:p>
@@ -2924,7 +2927,7 @@
           <a:p>
             <a:fld id="{3529557E-4AFE-4BD1-BBF5-F82B436F9863}" type="datetimeFigureOut">
               <a:rPr kumimoji="1" lang="ja-JP" altLang="en-US" smtClean="0"/>
-              <a:t>2021/6/2</a:t>
+              <a:t>2021/6/3</a:t>
             </a:fld>
             <a:endParaRPr kumimoji="1" lang="ja-JP" altLang="en-US"/>
           </a:p>
@@ -3197,7 +3200,7 @@
           <a:p>
             <a:fld id="{3529557E-4AFE-4BD1-BBF5-F82B436F9863}" type="datetimeFigureOut">
               <a:rPr kumimoji="1" lang="ja-JP" altLang="en-US" smtClean="0"/>
-              <a:t>2021/6/2</a:t>
+              <a:t>2021/6/3</a:t>
             </a:fld>
             <a:endParaRPr kumimoji="1" lang="ja-JP" altLang="en-US"/>
           </a:p>
@@ -3628,8 +3631,8 @@
         </p:nvSpPr>
         <p:spPr>
           <a:xfrm>
-            <a:off x="1450579" y="1305758"/>
-            <a:ext cx="1264443" cy="1189120"/>
+            <a:off x="1423009" y="2488404"/>
+            <a:ext cx="1264443" cy="1417131"/>
           </a:xfrm>
           <a:prstGeom prst="roundRect">
             <a:avLst/>
@@ -3684,7 +3687,7 @@
         </p:nvSpPr>
         <p:spPr>
           <a:xfrm>
-            <a:off x="1450579" y="3212996"/>
+            <a:off x="1423009" y="4623653"/>
             <a:ext cx="1264443" cy="1189120"/>
           </a:xfrm>
           <a:prstGeom prst="roundRect">
@@ -3740,7 +3743,7 @@
         </p:nvSpPr>
         <p:spPr>
           <a:xfrm>
-            <a:off x="4335502" y="3314438"/>
+            <a:off x="4307932" y="4725095"/>
             <a:ext cx="1308847" cy="1189121"/>
           </a:xfrm>
           <a:prstGeom prst="can">
@@ -3790,8 +3793,8 @@
         </p:nvSpPr>
         <p:spPr>
           <a:xfrm>
-            <a:off x="3970938" y="1076410"/>
-            <a:ext cx="2037977" cy="1571811"/>
+            <a:off x="3943368" y="1594457"/>
+            <a:ext cx="2066985" cy="2464422"/>
           </a:xfrm>
           <a:prstGeom prst="cube">
             <a:avLst>
@@ -3842,7 +3845,7 @@
         </p:nvSpPr>
         <p:spPr>
           <a:xfrm>
-            <a:off x="4114373" y="2140817"/>
+            <a:off x="4086803" y="3551474"/>
             <a:ext cx="1529976" cy="378890"/>
           </a:xfrm>
           <a:prstGeom prst="roundRect">
@@ -3890,8 +3893,8 @@
         </p:nvSpPr>
         <p:spPr>
           <a:xfrm>
-            <a:off x="1006194" y="430307"/>
-            <a:ext cx="8795218" cy="4332940"/>
+            <a:off x="978624" y="156229"/>
+            <a:ext cx="6198727" cy="6017675"/>
           </a:xfrm>
           <a:prstGeom prst="rect">
             <a:avLst/>
@@ -3918,7 +3921,7 @@
           <a:p>
             <a:r>
               <a:rPr kumimoji="1" lang="ja-JP" altLang="en-US" dirty="0"/>
-              <a:t>開発端末</a:t>
+              <a:t>開発端末 </a:t>
             </a:r>
             <a:endParaRPr kumimoji="1" lang="en-US" altLang="ja-JP" dirty="0"/>
           </a:p>
@@ -3938,8 +3941,8 @@
         </p:nvSpPr>
         <p:spPr>
           <a:xfrm>
-            <a:off x="3514164" y="582707"/>
-            <a:ext cx="6113929" cy="2261885"/>
+            <a:off x="3486595" y="943784"/>
+            <a:ext cx="3229654" cy="3311465"/>
           </a:xfrm>
           <a:prstGeom prst="rect">
             <a:avLst/>
@@ -3966,18 +3969,132 @@
           <a:p>
             <a:r>
               <a:rPr kumimoji="1" lang="en-US" altLang="ja-JP" dirty="0"/>
-              <a:t>Docker</a:t>
+              <a:t>Docker Host</a:t>
             </a:r>
             <a:endParaRPr kumimoji="1" lang="ja-JP" altLang="en-US" dirty="0"/>
           </a:p>
         </p:txBody>
       </p:sp>
-      <p:sp>
-        <p:nvSpPr>
-          <p:cNvPr id="22" name="直方体 21">
-            <a:extLst>
-              <a:ext uri="{FF2B5EF4-FFF2-40B4-BE49-F238E27FC236}">
-                <a16:creationId xmlns:a16="http://schemas.microsoft.com/office/drawing/2014/main" id="{55F42A4D-1E04-443B-92C9-DDE255712007}"/>
+      <p:cxnSp>
+        <p:nvCxnSpPr>
+          <p:cNvPr id="34" name="直線矢印コネクタ 33">
+            <a:extLst>
+              <a:ext uri="{FF2B5EF4-FFF2-40B4-BE49-F238E27FC236}">
+                <a16:creationId xmlns:a16="http://schemas.microsoft.com/office/drawing/2014/main" id="{820224AE-7D19-4885-83CE-898DA73B862C}"/>
+              </a:ext>
+            </a:extLst>
+          </p:cNvPr>
+          <p:cNvCxnSpPr>
+            <a:cxnSpLocks/>
+          </p:cNvCxnSpPr>
+          <p:nvPr/>
+        </p:nvCxnSpPr>
+        <p:spPr>
+          <a:xfrm>
+            <a:off x="4926499" y="4045637"/>
+            <a:ext cx="0" cy="817924"/>
+          </a:xfrm>
+          <a:prstGeom prst="straightConnector1">
+            <a:avLst/>
+          </a:prstGeom>
+          <a:ln w="28575">
+            <a:headEnd type="none" w="med" len="med"/>
+            <a:tailEnd type="arrow" w="med" len="med"/>
+          </a:ln>
+        </p:spPr>
+        <p:style>
+          <a:lnRef idx="1">
+            <a:schemeClr val="accent2"/>
+          </a:lnRef>
+          <a:fillRef idx="0">
+            <a:schemeClr val="accent2"/>
+          </a:fillRef>
+          <a:effectRef idx="0">
+            <a:schemeClr val="accent2"/>
+          </a:effectRef>
+          <a:fontRef idx="minor">
+            <a:schemeClr val="tx1"/>
+          </a:fontRef>
+        </p:style>
+      </p:cxnSp>
+      <p:sp>
+        <p:nvSpPr>
+          <p:cNvPr id="36" name="テキスト ボックス 35">
+            <a:extLst>
+              <a:ext uri="{FF2B5EF4-FFF2-40B4-BE49-F238E27FC236}">
+                <a16:creationId xmlns:a16="http://schemas.microsoft.com/office/drawing/2014/main" id="{C64BD4CA-6B97-43A0-A368-E33FA78A53A6}"/>
+              </a:ext>
+            </a:extLst>
+          </p:cNvPr>
+          <p:cNvSpPr txBox="1"/>
+          <p:nvPr/>
+        </p:nvSpPr>
+        <p:spPr>
+          <a:xfrm>
+            <a:off x="2834402" y="2820864"/>
+            <a:ext cx="1008973" cy="523220"/>
+          </a:xfrm>
+          <a:prstGeom prst="rect">
+            <a:avLst/>
+          </a:prstGeom>
+          <a:noFill/>
+        </p:spPr>
+        <p:txBody>
+          <a:bodyPr wrap="square" rtlCol="0">
+            <a:spAutoFit/>
+          </a:bodyPr>
+          <a:lstStyle/>
+          <a:p>
+            <a:r>
+              <a:rPr kumimoji="1" lang="en-US" altLang="ja-JP" sz="1400" dirty="0"/>
+              <a:t>Remote Container</a:t>
+            </a:r>
+            <a:endParaRPr kumimoji="1" lang="ja-JP" altLang="en-US" sz="1400" dirty="0"/>
+          </a:p>
+        </p:txBody>
+      </p:sp>
+      <p:sp>
+        <p:nvSpPr>
+          <p:cNvPr id="38" name="テキスト ボックス 37">
+            <a:extLst>
+              <a:ext uri="{FF2B5EF4-FFF2-40B4-BE49-F238E27FC236}">
+                <a16:creationId xmlns:a16="http://schemas.microsoft.com/office/drawing/2014/main" id="{A94B4027-C615-4C4C-A4FF-6E10AFB23414}"/>
+              </a:ext>
+            </a:extLst>
+          </p:cNvPr>
+          <p:cNvSpPr txBox="1"/>
+          <p:nvPr/>
+        </p:nvSpPr>
+        <p:spPr>
+          <a:xfrm>
+            <a:off x="2030043" y="2188008"/>
+            <a:ext cx="1308845" cy="307777"/>
+          </a:xfrm>
+          <a:prstGeom prst="rect">
+            <a:avLst/>
+          </a:prstGeom>
+          <a:noFill/>
+        </p:spPr>
+        <p:txBody>
+          <a:bodyPr wrap="square" rtlCol="0">
+            <a:spAutoFit/>
+          </a:bodyPr>
+          <a:lstStyle/>
+          <a:p>
+            <a:r>
+              <a:rPr lang="en-US" altLang="ja-JP" sz="1400" dirty="0"/>
+              <a:t>Port Forward</a:t>
+            </a:r>
+            <a:endParaRPr kumimoji="1" lang="ja-JP" altLang="en-US" sz="1400" dirty="0"/>
+          </a:p>
+        </p:txBody>
+      </p:sp>
+      <p:sp>
+        <p:nvSpPr>
+          <p:cNvPr id="41" name="乗算記号 40">
+            <a:extLst>
+              <a:ext uri="{FF2B5EF4-FFF2-40B4-BE49-F238E27FC236}">
+                <a16:creationId xmlns:a16="http://schemas.microsoft.com/office/drawing/2014/main" id="{724F9E1A-E440-4FEC-BE00-AFEE66AD7A10}"/>
               </a:ext>
             </a:extLst>
           </p:cNvPr>
@@ -3986,14 +4103,22 @@
         </p:nvSpPr>
         <p:spPr>
           <a:xfrm>
-            <a:off x="7309223" y="1024966"/>
-            <a:ext cx="2037977" cy="1571811"/>
-          </a:xfrm>
-          <a:prstGeom prst="cube">
+            <a:off x="2164510" y="4369596"/>
+            <a:ext cx="888788" cy="956235"/>
+          </a:xfrm>
+          <a:prstGeom prst="mathMultiply">
             <a:avLst>
-              <a:gd name="adj" fmla="val 13593"/>
+              <a:gd name="adj1" fmla="val 18813"/>
             </a:avLst>
           </a:prstGeom>
+          <a:solidFill>
+            <a:srgbClr val="EE0000"/>
+          </a:solidFill>
+          <a:ln>
+            <a:solidFill>
+              <a:srgbClr val="EE0000"/>
+            </a:solidFill>
+          </a:ln>
         </p:spPr>
         <p:style>
           <a:lnRef idx="2">
@@ -4012,23 +4137,230 @@
           </a:fontRef>
         </p:style>
         <p:txBody>
-          <a:bodyPr rtlCol="0" anchor="t"/>
+          <a:bodyPr rtlCol="0" anchor="ctr"/>
           <a:lstStyle/>
           <a:p>
             <a:pPr algn="ctr"/>
+            <a:endParaRPr kumimoji="1" lang="ja-JP" altLang="en-US"/>
+          </a:p>
+        </p:txBody>
+      </p:sp>
+      <p:sp>
+        <p:nvSpPr>
+          <p:cNvPr id="43" name="テキスト ボックス 42">
+            <a:extLst>
+              <a:ext uri="{FF2B5EF4-FFF2-40B4-BE49-F238E27FC236}">
+                <a16:creationId xmlns:a16="http://schemas.microsoft.com/office/drawing/2014/main" id="{7B03BA69-C391-4049-88E2-2822F6EFC478}"/>
+              </a:ext>
+            </a:extLst>
+          </p:cNvPr>
+          <p:cNvSpPr txBox="1"/>
+          <p:nvPr/>
+        </p:nvSpPr>
+        <p:spPr>
+          <a:xfrm>
+            <a:off x="4926499" y="4359681"/>
+            <a:ext cx="1789749" cy="307777"/>
+          </a:xfrm>
+          <a:prstGeom prst="rect">
+            <a:avLst/>
+          </a:prstGeom>
+          <a:noFill/>
+        </p:spPr>
+        <p:txBody>
+          <a:bodyPr wrap="square" rtlCol="0">
+            <a:spAutoFit/>
+          </a:bodyPr>
+          <a:lstStyle/>
+          <a:p>
+            <a:r>
+              <a:rPr kumimoji="1" lang="en-US" altLang="ja-JP" sz="1400" dirty="0"/>
+              <a:t>Volume Mount</a:t>
+            </a:r>
+            <a:endParaRPr kumimoji="1" lang="ja-JP" altLang="en-US" sz="1400" dirty="0"/>
+          </a:p>
+        </p:txBody>
+      </p:sp>
+      <p:sp>
+        <p:nvSpPr>
+          <p:cNvPr id="7" name="四角形: 角を丸くする 6">
+            <a:extLst>
+              <a:ext uri="{FF2B5EF4-FFF2-40B4-BE49-F238E27FC236}">
+                <a16:creationId xmlns:a16="http://schemas.microsoft.com/office/drawing/2014/main" id="{FBBEF9AB-A5F5-4304-AE2C-92E8572CB5E4}"/>
+              </a:ext>
+            </a:extLst>
+          </p:cNvPr>
+          <p:cNvSpPr/>
+          <p:nvPr/>
+        </p:nvSpPr>
+        <p:spPr>
+          <a:xfrm>
+            <a:off x="1419421" y="842472"/>
+            <a:ext cx="1264443" cy="1189120"/>
+          </a:xfrm>
+          <a:prstGeom prst="roundRect">
+            <a:avLst/>
+          </a:prstGeom>
+        </p:spPr>
+        <p:style>
+          <a:lnRef idx="1">
+            <a:schemeClr val="accent5"/>
+          </a:lnRef>
+          <a:fillRef idx="2">
+            <a:schemeClr val="accent5"/>
+          </a:fillRef>
+          <a:effectRef idx="1">
+            <a:schemeClr val="accent5"/>
+          </a:effectRef>
+          <a:fontRef idx="minor">
+            <a:schemeClr val="dk1"/>
+          </a:fontRef>
+        </p:style>
+        <p:txBody>
+          <a:bodyPr rtlCol="0" anchor="ctr"/>
+          <a:lstStyle/>
+          <a:p>
+            <a:pPr algn="ctr"/>
             <a:r>
               <a:rPr kumimoji="1" lang="en-US" altLang="ja-JP" dirty="0"/>
-              <a:t>App</a:t>
-            </a:r>
-            <a:r>
-              <a:rPr kumimoji="1" lang="ja-JP" altLang="en-US" dirty="0"/>
+              <a:t>Browser</a:t>
+            </a:r>
+            <a:endParaRPr kumimoji="1" lang="ja-JP" altLang="en-US" dirty="0"/>
+          </a:p>
+        </p:txBody>
+      </p:sp>
+      <p:cxnSp>
+        <p:nvCxnSpPr>
+          <p:cNvPr id="9" name="コネクタ: カギ線 8">
+            <a:extLst>
+              <a:ext uri="{FF2B5EF4-FFF2-40B4-BE49-F238E27FC236}">
+                <a16:creationId xmlns:a16="http://schemas.microsoft.com/office/drawing/2014/main" id="{894B9CD6-26D8-46D4-9201-DEAAFB06BF81}"/>
+              </a:ext>
+            </a:extLst>
+          </p:cNvPr>
+          <p:cNvCxnSpPr>
+            <a:cxnSpLocks/>
+            <a:stCxn id="7" idx="2"/>
+            <a:endCxn id="29" idx="1"/>
+          </p:cNvCxnSpPr>
+          <p:nvPr/>
+        </p:nvCxnSpPr>
+        <p:spPr>
+          <a:xfrm rot="16200000" flipH="1">
+            <a:off x="2756833" y="1326401"/>
+            <a:ext cx="632198" cy="2042579"/>
+          </a:xfrm>
+          <a:prstGeom prst="bentConnector2">
+            <a:avLst/>
+          </a:prstGeom>
+          <a:ln w="28575">
+            <a:headEnd type="none" w="med" len="med"/>
+            <a:tailEnd type="arrow" w="med" len="med"/>
+          </a:ln>
+        </p:spPr>
+        <p:style>
+          <a:lnRef idx="1">
+            <a:schemeClr val="accent2"/>
+          </a:lnRef>
+          <a:fillRef idx="0">
+            <a:schemeClr val="accent2"/>
+          </a:fillRef>
+          <a:effectRef idx="0">
+            <a:schemeClr val="accent2"/>
+          </a:effectRef>
+          <a:fontRef idx="minor">
+            <a:schemeClr val="tx1"/>
+          </a:fontRef>
+        </p:style>
+      </p:cxnSp>
+      <p:sp>
+        <p:nvSpPr>
+          <p:cNvPr id="11" name="テキスト ボックス 10">
+            <a:extLst>
+              <a:ext uri="{FF2B5EF4-FFF2-40B4-BE49-F238E27FC236}">
+                <a16:creationId xmlns:a16="http://schemas.microsoft.com/office/drawing/2014/main" id="{ABA006AC-0573-4350-B874-39007097B742}"/>
+              </a:ext>
+            </a:extLst>
+          </p:cNvPr>
+          <p:cNvSpPr txBox="1"/>
+          <p:nvPr/>
+        </p:nvSpPr>
+        <p:spPr>
+          <a:xfrm>
+            <a:off x="5959965" y="2858998"/>
+            <a:ext cx="782760" cy="307777"/>
+          </a:xfrm>
+          <a:prstGeom prst="rect">
+            <a:avLst/>
+          </a:prstGeom>
+          <a:noFill/>
+        </p:spPr>
+        <p:txBody>
+          <a:bodyPr wrap="square" rtlCol="0">
+            <a:spAutoFit/>
+          </a:bodyPr>
+          <a:lstStyle/>
+          <a:p>
+            <a:r>
+              <a:rPr lang="en-US" altLang="ja-JP" sz="1400" dirty="0"/>
+              <a:t>Run</a:t>
+            </a:r>
+          </a:p>
+        </p:txBody>
+      </p:sp>
+      <p:sp>
+        <p:nvSpPr>
+          <p:cNvPr id="12" name="四角形: 角を丸くする 11">
+            <a:extLst>
+              <a:ext uri="{FF2B5EF4-FFF2-40B4-BE49-F238E27FC236}">
+                <a16:creationId xmlns:a16="http://schemas.microsoft.com/office/drawing/2014/main" id="{40DE2628-FD45-486C-9287-347EE3C63E29}"/>
+              </a:ext>
+            </a:extLst>
+          </p:cNvPr>
+          <p:cNvSpPr/>
+          <p:nvPr/>
+        </p:nvSpPr>
+        <p:spPr>
+          <a:xfrm>
+            <a:off x="4084523" y="3085199"/>
+            <a:ext cx="1529976" cy="416779"/>
+          </a:xfrm>
+          <a:prstGeom prst="roundRect">
+            <a:avLst/>
+          </a:prstGeom>
+        </p:spPr>
+        <p:style>
+          <a:lnRef idx="1">
+            <a:schemeClr val="accent5"/>
+          </a:lnRef>
+          <a:fillRef idx="2">
+            <a:schemeClr val="accent5"/>
+          </a:fillRef>
+          <a:effectRef idx="1">
+            <a:schemeClr val="accent5"/>
+          </a:effectRef>
+          <a:fontRef idx="minor">
+            <a:schemeClr val="dk1"/>
+          </a:fontRef>
+        </p:style>
+        <p:txBody>
+          <a:bodyPr rtlCol="0" anchor="ctr"/>
+          <a:lstStyle/>
+          <a:p>
+            <a:pPr algn="ctr"/>
+            <a:r>
+              <a:rPr kumimoji="1" lang="en-US" altLang="ja-JP" sz="1400" dirty="0"/>
+              <a:t>VS</a:t>
+            </a:r>
+            <a:r>
+              <a:rPr kumimoji="1" lang="ja-JP" altLang="en-US" sz="1400" dirty="0"/>
               <a:t> </a:t>
             </a:r>
             <a:r>
-              <a:rPr kumimoji="1" lang="en-US" altLang="ja-JP" dirty="0"/>
-              <a:t>Container</a:t>
-            </a:r>
-            <a:endParaRPr kumimoji="1" lang="ja-JP" altLang="en-US" dirty="0"/>
+              <a:rPr kumimoji="1" lang="en-US" altLang="ja-JP" sz="1400" dirty="0"/>
+              <a:t>Code Server</a:t>
+            </a:r>
+            <a:endParaRPr kumimoji="1" lang="ja-JP" altLang="en-US" sz="1400" dirty="0"/>
           </a:p>
         </p:txBody>
       </p:sp>
@@ -4046,8 +4378,1726 @@
         </p:nvCxnSpPr>
         <p:spPr>
           <a:xfrm>
-            <a:off x="2740834" y="1874268"/>
-            <a:ext cx="1239299" cy="0"/>
+            <a:off x="2670442" y="3284925"/>
+            <a:ext cx="1499552" cy="0"/>
+          </a:xfrm>
+          <a:prstGeom prst="straightConnector1">
+            <a:avLst/>
+          </a:prstGeom>
+          <a:ln w="28575">
+            <a:headEnd type="none" w="med" len="med"/>
+            <a:tailEnd type="arrow" w="med" len="med"/>
+          </a:ln>
+        </p:spPr>
+        <p:style>
+          <a:lnRef idx="1">
+            <a:schemeClr val="accent2"/>
+          </a:lnRef>
+          <a:fillRef idx="0">
+            <a:schemeClr val="accent2"/>
+          </a:fillRef>
+          <a:effectRef idx="0">
+            <a:schemeClr val="accent2"/>
+          </a:effectRef>
+          <a:fontRef idx="minor">
+            <a:schemeClr val="tx1"/>
+          </a:fontRef>
+        </p:style>
+      </p:cxnSp>
+      <p:sp>
+        <p:nvSpPr>
+          <p:cNvPr id="29" name="四角形: 角を丸くする 28">
+            <a:extLst>
+              <a:ext uri="{FF2B5EF4-FFF2-40B4-BE49-F238E27FC236}">
+                <a16:creationId xmlns:a16="http://schemas.microsoft.com/office/drawing/2014/main" id="{0799CCC5-3CB1-4C37-9D3A-2BB7D7C498BA}"/>
+              </a:ext>
+            </a:extLst>
+          </p:cNvPr>
+          <p:cNvSpPr/>
+          <p:nvPr/>
+        </p:nvSpPr>
+        <p:spPr>
+          <a:xfrm>
+            <a:off x="4094222" y="2474345"/>
+            <a:ext cx="1529976" cy="378890"/>
+          </a:xfrm>
+          <a:prstGeom prst="roundRect">
+            <a:avLst/>
+          </a:prstGeom>
+        </p:spPr>
+        <p:style>
+          <a:lnRef idx="1">
+            <a:schemeClr val="accent5"/>
+          </a:lnRef>
+          <a:fillRef idx="2">
+            <a:schemeClr val="accent5"/>
+          </a:fillRef>
+          <a:effectRef idx="1">
+            <a:schemeClr val="accent5"/>
+          </a:effectRef>
+          <a:fontRef idx="minor">
+            <a:schemeClr val="dk1"/>
+          </a:fontRef>
+        </p:style>
+        <p:txBody>
+          <a:bodyPr rtlCol="0" anchor="ctr"/>
+          <a:lstStyle/>
+          <a:p>
+            <a:pPr algn="ctr"/>
+            <a:r>
+              <a:rPr kumimoji="1" lang="en-US" altLang="ja-JP" sz="1400" dirty="0"/>
+              <a:t>App</a:t>
+            </a:r>
+            <a:endParaRPr kumimoji="1" lang="ja-JP" altLang="en-US" sz="1400" dirty="0"/>
+          </a:p>
+        </p:txBody>
+      </p:sp>
+      <p:cxnSp>
+        <p:nvCxnSpPr>
+          <p:cNvPr id="42" name="コネクタ: カギ線 41">
+            <a:extLst>
+              <a:ext uri="{FF2B5EF4-FFF2-40B4-BE49-F238E27FC236}">
+                <a16:creationId xmlns:a16="http://schemas.microsoft.com/office/drawing/2014/main" id="{791BBA09-D405-4C4A-B172-C04818C592F1}"/>
+              </a:ext>
+            </a:extLst>
+          </p:cNvPr>
+          <p:cNvCxnSpPr>
+            <a:cxnSpLocks/>
+            <a:stCxn id="12" idx="3"/>
+            <a:endCxn id="29" idx="3"/>
+          </p:cNvCxnSpPr>
+          <p:nvPr/>
+        </p:nvCxnSpPr>
+        <p:spPr>
+          <a:xfrm flipV="1">
+            <a:off x="5614499" y="2663790"/>
+            <a:ext cx="9699" cy="629799"/>
+          </a:xfrm>
+          <a:prstGeom prst="bentConnector3">
+            <a:avLst>
+              <a:gd name="adj1" fmla="val 2835952"/>
+            </a:avLst>
+          </a:prstGeom>
+          <a:ln w="28575">
+            <a:headEnd type="none" w="med" len="med"/>
+            <a:tailEnd type="arrow" w="med" len="med"/>
+          </a:ln>
+        </p:spPr>
+        <p:style>
+          <a:lnRef idx="1">
+            <a:schemeClr val="accent2"/>
+          </a:lnRef>
+          <a:fillRef idx="0">
+            <a:schemeClr val="accent2"/>
+          </a:fillRef>
+          <a:effectRef idx="0">
+            <a:schemeClr val="accent2"/>
+          </a:effectRef>
+          <a:fontRef idx="minor">
+            <a:schemeClr val="tx1"/>
+          </a:fontRef>
+        </p:style>
+      </p:cxnSp>
+    </p:spTree>
+    <p:extLst>
+      <p:ext uri="{BB962C8B-B14F-4D97-AF65-F5344CB8AC3E}">
+        <p14:creationId xmlns:p14="http://schemas.microsoft.com/office/powerpoint/2010/main" val="3991826982"/>
+      </p:ext>
+    </p:extLst>
+  </p:cSld>
+  <p:clrMapOvr>
+    <a:masterClrMapping/>
+  </p:clrMapOvr>
+</p:sld>
+</file>
+
+<file path=ppt/slides/slide2.xml><?xml version="1.0" encoding="utf-8"?>
+<p:sld xmlns:a="http://schemas.openxmlformats.org/drawingml/2006/main" xmlns:r="http://schemas.openxmlformats.org/officeDocument/2006/relationships" xmlns:p="http://schemas.openxmlformats.org/presentationml/2006/main">
+  <p:cSld>
+    <p:spTree>
+      <p:nvGrpSpPr>
+        <p:cNvPr id="1" name=""/>
+        <p:cNvGrpSpPr/>
+        <p:nvPr/>
+      </p:nvGrpSpPr>
+      <p:grpSpPr>
+        <a:xfrm>
+          <a:off x="0" y="0"/>
+          <a:ext cx="0" cy="0"/>
+          <a:chOff x="0" y="0"/>
+          <a:chExt cx="0" cy="0"/>
+        </a:xfrm>
+      </p:grpSpPr>
+      <p:sp>
+        <p:nvSpPr>
+          <p:cNvPr id="6" name="四角形: 角を丸くする 5">
+            <a:extLst>
+              <a:ext uri="{FF2B5EF4-FFF2-40B4-BE49-F238E27FC236}">
+                <a16:creationId xmlns:a16="http://schemas.microsoft.com/office/drawing/2014/main" id="{DE76D8B1-2ED0-4669-AC6F-8A727A5D6341}"/>
+              </a:ext>
+            </a:extLst>
+          </p:cNvPr>
+          <p:cNvSpPr/>
+          <p:nvPr/>
+        </p:nvSpPr>
+        <p:spPr>
+          <a:xfrm>
+            <a:off x="1423009" y="2716415"/>
+            <a:ext cx="1264443" cy="1189120"/>
+          </a:xfrm>
+          <a:prstGeom prst="roundRect">
+            <a:avLst/>
+          </a:prstGeom>
+        </p:spPr>
+        <p:style>
+          <a:lnRef idx="1">
+            <a:schemeClr val="accent5"/>
+          </a:lnRef>
+          <a:fillRef idx="2">
+            <a:schemeClr val="accent5"/>
+          </a:fillRef>
+          <a:effectRef idx="1">
+            <a:schemeClr val="accent5"/>
+          </a:effectRef>
+          <a:fontRef idx="minor">
+            <a:schemeClr val="dk1"/>
+          </a:fontRef>
+        </p:style>
+        <p:txBody>
+          <a:bodyPr rtlCol="0" anchor="ctr"/>
+          <a:lstStyle/>
+          <a:p>
+            <a:pPr algn="ctr"/>
+            <a:r>
+              <a:rPr kumimoji="1" lang="en-US" altLang="ja-JP" dirty="0"/>
+              <a:t>VS</a:t>
+            </a:r>
+            <a:r>
+              <a:rPr kumimoji="1" lang="ja-JP" altLang="en-US" dirty="0"/>
+              <a:t> </a:t>
+            </a:r>
+            <a:r>
+              <a:rPr kumimoji="1" lang="en-US" altLang="ja-JP" dirty="0"/>
+              <a:t>Code</a:t>
+            </a:r>
+            <a:endParaRPr kumimoji="1" lang="ja-JP" altLang="en-US" dirty="0"/>
+          </a:p>
+        </p:txBody>
+      </p:sp>
+      <p:sp>
+        <p:nvSpPr>
+          <p:cNvPr id="13" name="四角形: 角を丸くする 12">
+            <a:extLst>
+              <a:ext uri="{FF2B5EF4-FFF2-40B4-BE49-F238E27FC236}">
+                <a16:creationId xmlns:a16="http://schemas.microsoft.com/office/drawing/2014/main" id="{81D3D1F8-E32B-49DB-8F71-A739F32AE0C0}"/>
+              </a:ext>
+            </a:extLst>
+          </p:cNvPr>
+          <p:cNvSpPr/>
+          <p:nvPr/>
+        </p:nvSpPr>
+        <p:spPr>
+          <a:xfrm>
+            <a:off x="1423009" y="4623653"/>
+            <a:ext cx="1264443" cy="1189120"/>
+          </a:xfrm>
+          <a:prstGeom prst="roundRect">
+            <a:avLst/>
+          </a:prstGeom>
+        </p:spPr>
+        <p:style>
+          <a:lnRef idx="1">
+            <a:schemeClr val="accent5"/>
+          </a:lnRef>
+          <a:fillRef idx="2">
+            <a:schemeClr val="accent5"/>
+          </a:fillRef>
+          <a:effectRef idx="1">
+            <a:schemeClr val="accent5"/>
+          </a:effectRef>
+          <a:fontRef idx="minor">
+            <a:schemeClr val="dk1"/>
+          </a:fontRef>
+        </p:style>
+        <p:txBody>
+          <a:bodyPr rtlCol="0" anchor="ctr"/>
+          <a:lstStyle/>
+          <a:p>
+            <a:pPr algn="ctr"/>
+            <a:r>
+              <a:rPr kumimoji="1" lang="en-US" altLang="ja-JP" dirty="0"/>
+              <a:t>SDK, Runtime, </a:t>
+            </a:r>
+            <a:r>
+              <a:rPr kumimoji="1" lang="en-US" altLang="ja-JP" dirty="0" err="1"/>
+              <a:t>etc</a:t>
+            </a:r>
+            <a:r>
+              <a:rPr kumimoji="1" lang="en-US" altLang="ja-JP" dirty="0"/>
+              <a:t>…</a:t>
+            </a:r>
+            <a:endParaRPr kumimoji="1" lang="ja-JP" altLang="en-US" dirty="0"/>
+          </a:p>
+        </p:txBody>
+      </p:sp>
+      <p:sp>
+        <p:nvSpPr>
+          <p:cNvPr id="14" name="円柱 13">
+            <a:extLst>
+              <a:ext uri="{FF2B5EF4-FFF2-40B4-BE49-F238E27FC236}">
+                <a16:creationId xmlns:a16="http://schemas.microsoft.com/office/drawing/2014/main" id="{777F2FC8-E3C0-4A07-B5F9-C7B177CBFB2F}"/>
+              </a:ext>
+            </a:extLst>
+          </p:cNvPr>
+          <p:cNvSpPr/>
+          <p:nvPr/>
+        </p:nvSpPr>
+        <p:spPr>
+          <a:xfrm>
+            <a:off x="4307932" y="4725095"/>
+            <a:ext cx="1308847" cy="1189121"/>
+          </a:xfrm>
+          <a:prstGeom prst="can">
+            <a:avLst/>
+          </a:prstGeom>
+        </p:spPr>
+        <p:style>
+          <a:lnRef idx="2">
+            <a:schemeClr val="accent1">
+              <a:shade val="50000"/>
+            </a:schemeClr>
+          </a:lnRef>
+          <a:fillRef idx="1">
+            <a:schemeClr val="accent1"/>
+          </a:fillRef>
+          <a:effectRef idx="0">
+            <a:schemeClr val="accent1"/>
+          </a:effectRef>
+          <a:fontRef idx="minor">
+            <a:schemeClr val="lt1"/>
+          </a:fontRef>
+        </p:style>
+        <p:txBody>
+          <a:bodyPr rtlCol="0" anchor="ctr"/>
+          <a:lstStyle/>
+          <a:p>
+            <a:pPr algn="ctr"/>
+            <a:r>
+              <a:rPr kumimoji="1" lang="en-US" altLang="ja-JP" dirty="0"/>
+              <a:t>Source Code</a:t>
+            </a:r>
+            <a:endParaRPr kumimoji="1" lang="ja-JP" altLang="en-US" dirty="0"/>
+          </a:p>
+        </p:txBody>
+      </p:sp>
+      <p:sp>
+        <p:nvSpPr>
+          <p:cNvPr id="15" name="直方体 14">
+            <a:extLst>
+              <a:ext uri="{FF2B5EF4-FFF2-40B4-BE49-F238E27FC236}">
+                <a16:creationId xmlns:a16="http://schemas.microsoft.com/office/drawing/2014/main" id="{D1217599-7C99-48EC-917A-FE304DAF412C}"/>
+              </a:ext>
+            </a:extLst>
+          </p:cNvPr>
+          <p:cNvSpPr/>
+          <p:nvPr/>
+        </p:nvSpPr>
+        <p:spPr>
+          <a:xfrm>
+            <a:off x="3943368" y="2487067"/>
+            <a:ext cx="2037977" cy="1571811"/>
+          </a:xfrm>
+          <a:prstGeom prst="cube">
+            <a:avLst>
+              <a:gd name="adj" fmla="val 13593"/>
+            </a:avLst>
+          </a:prstGeom>
+        </p:spPr>
+        <p:style>
+          <a:lnRef idx="2">
+            <a:schemeClr val="accent1">
+              <a:shade val="50000"/>
+            </a:schemeClr>
+          </a:lnRef>
+          <a:fillRef idx="1">
+            <a:schemeClr val="accent1"/>
+          </a:fillRef>
+          <a:effectRef idx="0">
+            <a:schemeClr val="accent1"/>
+          </a:effectRef>
+          <a:fontRef idx="minor">
+            <a:schemeClr val="lt1"/>
+          </a:fontRef>
+        </p:style>
+        <p:txBody>
+          <a:bodyPr rtlCol="0" anchor="t"/>
+          <a:lstStyle/>
+          <a:p>
+            <a:pPr algn="ctr"/>
+            <a:r>
+              <a:rPr kumimoji="1" lang="en-US" altLang="ja-JP"/>
+              <a:t>Dev Container</a:t>
+            </a:r>
+            <a:endParaRPr kumimoji="1" lang="ja-JP" altLang="en-US" dirty="0"/>
+          </a:p>
+        </p:txBody>
+      </p:sp>
+      <p:sp>
+        <p:nvSpPr>
+          <p:cNvPr id="17" name="四角形: 角を丸くする 16">
+            <a:extLst>
+              <a:ext uri="{FF2B5EF4-FFF2-40B4-BE49-F238E27FC236}">
+                <a16:creationId xmlns:a16="http://schemas.microsoft.com/office/drawing/2014/main" id="{0E09E146-2D6A-4E6D-B2EF-E076B0F80E1A}"/>
+              </a:ext>
+            </a:extLst>
+          </p:cNvPr>
+          <p:cNvSpPr/>
+          <p:nvPr/>
+        </p:nvSpPr>
+        <p:spPr>
+          <a:xfrm>
+            <a:off x="4086803" y="3551474"/>
+            <a:ext cx="1529976" cy="378890"/>
+          </a:xfrm>
+          <a:prstGeom prst="roundRect">
+            <a:avLst/>
+          </a:prstGeom>
+        </p:spPr>
+        <p:style>
+          <a:lnRef idx="1">
+            <a:schemeClr val="accent5"/>
+          </a:lnRef>
+          <a:fillRef idx="2">
+            <a:schemeClr val="accent5"/>
+          </a:fillRef>
+          <a:effectRef idx="1">
+            <a:schemeClr val="accent5"/>
+          </a:effectRef>
+          <a:fontRef idx="minor">
+            <a:schemeClr val="dk1"/>
+          </a:fontRef>
+        </p:style>
+        <p:txBody>
+          <a:bodyPr rtlCol="0" anchor="ctr"/>
+          <a:lstStyle/>
+          <a:p>
+            <a:pPr algn="ctr"/>
+            <a:r>
+              <a:rPr kumimoji="1" lang="en-US" altLang="ja-JP" sz="1400" dirty="0"/>
+              <a:t>SDK</a:t>
+            </a:r>
+            <a:endParaRPr kumimoji="1" lang="ja-JP" altLang="en-US" sz="1400" dirty="0"/>
+          </a:p>
+        </p:txBody>
+      </p:sp>
+      <p:sp>
+        <p:nvSpPr>
+          <p:cNvPr id="18" name="正方形/長方形 17">
+            <a:extLst>
+              <a:ext uri="{FF2B5EF4-FFF2-40B4-BE49-F238E27FC236}">
+                <a16:creationId xmlns:a16="http://schemas.microsoft.com/office/drawing/2014/main" id="{449AB529-2180-4826-87E9-AC59D89FB9C1}"/>
+              </a:ext>
+            </a:extLst>
+          </p:cNvPr>
+          <p:cNvSpPr/>
+          <p:nvPr/>
+        </p:nvSpPr>
+        <p:spPr>
+          <a:xfrm>
+            <a:off x="978624" y="156229"/>
+            <a:ext cx="8795218" cy="6017675"/>
+          </a:xfrm>
+          <a:prstGeom prst="rect">
+            <a:avLst/>
+          </a:prstGeom>
+          <a:noFill/>
+        </p:spPr>
+        <p:style>
+          <a:lnRef idx="2">
+            <a:schemeClr val="accent5"/>
+          </a:lnRef>
+          <a:fillRef idx="1">
+            <a:schemeClr val="lt1"/>
+          </a:fillRef>
+          <a:effectRef idx="0">
+            <a:schemeClr val="accent5"/>
+          </a:effectRef>
+          <a:fontRef idx="minor">
+            <a:schemeClr val="dk1"/>
+          </a:fontRef>
+        </p:style>
+        <p:txBody>
+          <a:bodyPr rtlCol="0" anchor="t"/>
+          <a:lstStyle/>
+          <a:p>
+            <a:r>
+              <a:rPr kumimoji="1" lang="ja-JP" altLang="en-US" dirty="0"/>
+              <a:t>開発端末 </a:t>
+            </a:r>
+            <a:endParaRPr kumimoji="1" lang="en-US" altLang="ja-JP" dirty="0"/>
+          </a:p>
+        </p:txBody>
+      </p:sp>
+      <p:sp>
+        <p:nvSpPr>
+          <p:cNvPr id="20" name="正方形/長方形 19">
+            <a:extLst>
+              <a:ext uri="{FF2B5EF4-FFF2-40B4-BE49-F238E27FC236}">
+                <a16:creationId xmlns:a16="http://schemas.microsoft.com/office/drawing/2014/main" id="{495399F2-7CC2-411A-8666-1A063CCC23CC}"/>
+              </a:ext>
+            </a:extLst>
+          </p:cNvPr>
+          <p:cNvSpPr/>
+          <p:nvPr/>
+        </p:nvSpPr>
+        <p:spPr>
+          <a:xfrm>
+            <a:off x="3486594" y="1993364"/>
+            <a:ext cx="6113929" cy="2261885"/>
+          </a:xfrm>
+          <a:prstGeom prst="rect">
+            <a:avLst/>
+          </a:prstGeom>
+          <a:noFill/>
+        </p:spPr>
+        <p:style>
+          <a:lnRef idx="2">
+            <a:schemeClr val="accent5"/>
+          </a:lnRef>
+          <a:fillRef idx="1">
+            <a:schemeClr val="lt1"/>
+          </a:fillRef>
+          <a:effectRef idx="0">
+            <a:schemeClr val="accent5"/>
+          </a:effectRef>
+          <a:fontRef idx="minor">
+            <a:schemeClr val="dk1"/>
+          </a:fontRef>
+        </p:style>
+        <p:txBody>
+          <a:bodyPr rtlCol="0" anchor="t"/>
+          <a:lstStyle/>
+          <a:p>
+            <a:r>
+              <a:rPr kumimoji="1" lang="en-US" altLang="ja-JP" dirty="0"/>
+              <a:t>Docker Host</a:t>
+            </a:r>
+            <a:endParaRPr kumimoji="1" lang="ja-JP" altLang="en-US" dirty="0"/>
+          </a:p>
+        </p:txBody>
+      </p:sp>
+      <p:sp>
+        <p:nvSpPr>
+          <p:cNvPr id="22" name="直方体 21">
+            <a:extLst>
+              <a:ext uri="{FF2B5EF4-FFF2-40B4-BE49-F238E27FC236}">
+                <a16:creationId xmlns:a16="http://schemas.microsoft.com/office/drawing/2014/main" id="{55F42A4D-1E04-443B-92C9-DDE255712007}"/>
+              </a:ext>
+            </a:extLst>
+          </p:cNvPr>
+          <p:cNvSpPr/>
+          <p:nvPr/>
+        </p:nvSpPr>
+        <p:spPr>
+          <a:xfrm>
+            <a:off x="7281653" y="2435623"/>
+            <a:ext cx="2037977" cy="1571811"/>
+          </a:xfrm>
+          <a:prstGeom prst="cube">
+            <a:avLst>
+              <a:gd name="adj" fmla="val 13593"/>
+            </a:avLst>
+          </a:prstGeom>
+        </p:spPr>
+        <p:style>
+          <a:lnRef idx="2">
+            <a:schemeClr val="accent1">
+              <a:shade val="50000"/>
+            </a:schemeClr>
+          </a:lnRef>
+          <a:fillRef idx="1">
+            <a:schemeClr val="accent1"/>
+          </a:fillRef>
+          <a:effectRef idx="0">
+            <a:schemeClr val="accent1"/>
+          </a:effectRef>
+          <a:fontRef idx="minor">
+            <a:schemeClr val="lt1"/>
+          </a:fontRef>
+        </p:style>
+        <p:txBody>
+          <a:bodyPr rtlCol="0" anchor="t"/>
+          <a:lstStyle/>
+          <a:p>
+            <a:pPr algn="ctr"/>
+            <a:r>
+              <a:rPr kumimoji="1" lang="en-US" altLang="ja-JP" dirty="0"/>
+              <a:t>App</a:t>
+            </a:r>
+            <a:r>
+              <a:rPr kumimoji="1" lang="ja-JP" altLang="en-US" dirty="0"/>
+              <a:t> </a:t>
+            </a:r>
+            <a:r>
+              <a:rPr kumimoji="1" lang="en-US" altLang="ja-JP" dirty="0"/>
+              <a:t>Container</a:t>
+            </a:r>
+            <a:endParaRPr kumimoji="1" lang="ja-JP" altLang="en-US" dirty="0"/>
+          </a:p>
+        </p:txBody>
+      </p:sp>
+      <p:cxnSp>
+        <p:nvCxnSpPr>
+          <p:cNvPr id="26" name="直線矢印コネクタ 25">
+            <a:extLst>
+              <a:ext uri="{FF2B5EF4-FFF2-40B4-BE49-F238E27FC236}">
+                <a16:creationId xmlns:a16="http://schemas.microsoft.com/office/drawing/2014/main" id="{2F513CC4-DF14-43E8-8132-916D3B597107}"/>
+              </a:ext>
+            </a:extLst>
+          </p:cNvPr>
+          <p:cNvCxnSpPr>
+            <a:cxnSpLocks/>
+          </p:cNvCxnSpPr>
+          <p:nvPr/>
+        </p:nvCxnSpPr>
+        <p:spPr>
+          <a:xfrm>
+            <a:off x="5633796" y="3272972"/>
+            <a:ext cx="1649507" cy="0"/>
+          </a:xfrm>
+          <a:prstGeom prst="straightConnector1">
+            <a:avLst/>
+          </a:prstGeom>
+          <a:ln w="28575">
+            <a:headEnd type="none" w="med" len="med"/>
+            <a:tailEnd type="arrow" w="med" len="med"/>
+          </a:ln>
+        </p:spPr>
+        <p:style>
+          <a:lnRef idx="1">
+            <a:schemeClr val="accent2"/>
+          </a:lnRef>
+          <a:fillRef idx="0">
+            <a:schemeClr val="accent2"/>
+          </a:fillRef>
+          <a:effectRef idx="0">
+            <a:schemeClr val="accent2"/>
+          </a:effectRef>
+          <a:fontRef idx="minor">
+            <a:schemeClr val="tx1"/>
+          </a:fontRef>
+        </p:style>
+      </p:cxnSp>
+      <p:sp>
+        <p:nvSpPr>
+          <p:cNvPr id="30" name="四角形: 角を丸くする 29">
+            <a:extLst>
+              <a:ext uri="{FF2B5EF4-FFF2-40B4-BE49-F238E27FC236}">
+                <a16:creationId xmlns:a16="http://schemas.microsoft.com/office/drawing/2014/main" id="{106D7A08-59BA-46DD-959B-2069E5002497}"/>
+              </a:ext>
+            </a:extLst>
+          </p:cNvPr>
+          <p:cNvSpPr/>
+          <p:nvPr/>
+        </p:nvSpPr>
+        <p:spPr>
+          <a:xfrm>
+            <a:off x="7446006" y="3526272"/>
+            <a:ext cx="1529976" cy="378890"/>
+          </a:xfrm>
+          <a:prstGeom prst="roundRect">
+            <a:avLst/>
+          </a:prstGeom>
+        </p:spPr>
+        <p:style>
+          <a:lnRef idx="1">
+            <a:schemeClr val="accent5"/>
+          </a:lnRef>
+          <a:fillRef idx="2">
+            <a:schemeClr val="accent5"/>
+          </a:fillRef>
+          <a:effectRef idx="1">
+            <a:schemeClr val="accent5"/>
+          </a:effectRef>
+          <a:fontRef idx="minor">
+            <a:schemeClr val="dk1"/>
+          </a:fontRef>
+        </p:style>
+        <p:txBody>
+          <a:bodyPr rtlCol="0" anchor="ctr"/>
+          <a:lstStyle/>
+          <a:p>
+            <a:pPr algn="ctr"/>
+            <a:r>
+              <a:rPr kumimoji="1" lang="en-US" altLang="ja-JP" sz="1400" dirty="0"/>
+              <a:t>Runtime</a:t>
+            </a:r>
+            <a:endParaRPr kumimoji="1" lang="ja-JP" altLang="en-US" sz="1400" dirty="0"/>
+          </a:p>
+        </p:txBody>
+      </p:sp>
+      <p:sp>
+        <p:nvSpPr>
+          <p:cNvPr id="32" name="四角形: 角を丸くする 31">
+            <a:extLst>
+              <a:ext uri="{FF2B5EF4-FFF2-40B4-BE49-F238E27FC236}">
+                <a16:creationId xmlns:a16="http://schemas.microsoft.com/office/drawing/2014/main" id="{C11B50D6-823C-4BB7-8CF0-8D3271C6B2D1}"/>
+              </a:ext>
+            </a:extLst>
+          </p:cNvPr>
+          <p:cNvSpPr/>
+          <p:nvPr/>
+        </p:nvSpPr>
+        <p:spPr>
+          <a:xfrm>
+            <a:off x="7446006" y="3033293"/>
+            <a:ext cx="1529976" cy="378890"/>
+          </a:xfrm>
+          <a:prstGeom prst="roundRect">
+            <a:avLst/>
+          </a:prstGeom>
+        </p:spPr>
+        <p:style>
+          <a:lnRef idx="1">
+            <a:schemeClr val="accent5"/>
+          </a:lnRef>
+          <a:fillRef idx="2">
+            <a:schemeClr val="accent5"/>
+          </a:fillRef>
+          <a:effectRef idx="1">
+            <a:schemeClr val="accent5"/>
+          </a:effectRef>
+          <a:fontRef idx="minor">
+            <a:schemeClr val="dk1"/>
+          </a:fontRef>
+        </p:style>
+        <p:txBody>
+          <a:bodyPr rtlCol="0" anchor="ctr"/>
+          <a:lstStyle/>
+          <a:p>
+            <a:pPr algn="ctr"/>
+            <a:r>
+              <a:rPr kumimoji="1" lang="en-US" altLang="ja-JP" sz="1400" dirty="0"/>
+              <a:t>App</a:t>
+            </a:r>
+            <a:endParaRPr kumimoji="1" lang="ja-JP" altLang="en-US" sz="1400" dirty="0"/>
+          </a:p>
+        </p:txBody>
+      </p:sp>
+      <p:cxnSp>
+        <p:nvCxnSpPr>
+          <p:cNvPr id="34" name="直線矢印コネクタ 33">
+            <a:extLst>
+              <a:ext uri="{FF2B5EF4-FFF2-40B4-BE49-F238E27FC236}">
+                <a16:creationId xmlns:a16="http://schemas.microsoft.com/office/drawing/2014/main" id="{820224AE-7D19-4885-83CE-898DA73B862C}"/>
+              </a:ext>
+            </a:extLst>
+          </p:cNvPr>
+          <p:cNvCxnSpPr>
+            <a:cxnSpLocks/>
+          </p:cNvCxnSpPr>
+          <p:nvPr/>
+        </p:nvCxnSpPr>
+        <p:spPr>
+          <a:xfrm>
+            <a:off x="4926499" y="4045637"/>
+            <a:ext cx="0" cy="817924"/>
+          </a:xfrm>
+          <a:prstGeom prst="straightConnector1">
+            <a:avLst/>
+          </a:prstGeom>
+          <a:ln w="28575">
+            <a:headEnd type="none" w="med" len="med"/>
+            <a:tailEnd type="arrow" w="med" len="med"/>
+          </a:ln>
+        </p:spPr>
+        <p:style>
+          <a:lnRef idx="1">
+            <a:schemeClr val="accent2"/>
+          </a:lnRef>
+          <a:fillRef idx="0">
+            <a:schemeClr val="accent2"/>
+          </a:fillRef>
+          <a:effectRef idx="0">
+            <a:schemeClr val="accent2"/>
+          </a:effectRef>
+          <a:fontRef idx="minor">
+            <a:schemeClr val="tx1"/>
+          </a:fontRef>
+        </p:style>
+      </p:cxnSp>
+      <p:sp>
+        <p:nvSpPr>
+          <p:cNvPr id="36" name="テキスト ボックス 35">
+            <a:extLst>
+              <a:ext uri="{FF2B5EF4-FFF2-40B4-BE49-F238E27FC236}">
+                <a16:creationId xmlns:a16="http://schemas.microsoft.com/office/drawing/2014/main" id="{C64BD4CA-6B97-43A0-A368-E33FA78A53A6}"/>
+              </a:ext>
+            </a:extLst>
+          </p:cNvPr>
+          <p:cNvSpPr txBox="1"/>
+          <p:nvPr/>
+        </p:nvSpPr>
+        <p:spPr>
+          <a:xfrm>
+            <a:off x="2834402" y="2820864"/>
+            <a:ext cx="1008973" cy="523220"/>
+          </a:xfrm>
+          <a:prstGeom prst="rect">
+            <a:avLst/>
+          </a:prstGeom>
+          <a:noFill/>
+        </p:spPr>
+        <p:txBody>
+          <a:bodyPr wrap="square" rtlCol="0">
+            <a:spAutoFit/>
+          </a:bodyPr>
+          <a:lstStyle/>
+          <a:p>
+            <a:r>
+              <a:rPr kumimoji="1" lang="en-US" altLang="ja-JP" sz="1400" dirty="0"/>
+              <a:t>Remote Container</a:t>
+            </a:r>
+            <a:endParaRPr kumimoji="1" lang="ja-JP" altLang="en-US" sz="1400" dirty="0"/>
+          </a:p>
+        </p:txBody>
+      </p:sp>
+      <p:sp>
+        <p:nvSpPr>
+          <p:cNvPr id="38" name="テキスト ボックス 37">
+            <a:extLst>
+              <a:ext uri="{FF2B5EF4-FFF2-40B4-BE49-F238E27FC236}">
+                <a16:creationId xmlns:a16="http://schemas.microsoft.com/office/drawing/2014/main" id="{A94B4027-C615-4C4C-A4FF-6E10AFB23414}"/>
+              </a:ext>
+            </a:extLst>
+          </p:cNvPr>
+          <p:cNvSpPr txBox="1"/>
+          <p:nvPr/>
+        </p:nvSpPr>
+        <p:spPr>
+          <a:xfrm>
+            <a:off x="5979114" y="2716415"/>
+            <a:ext cx="1308845" cy="523220"/>
+          </a:xfrm>
+          <a:prstGeom prst="rect">
+            <a:avLst/>
+          </a:prstGeom>
+          <a:noFill/>
+        </p:spPr>
+        <p:txBody>
+          <a:bodyPr wrap="square" rtlCol="0">
+            <a:spAutoFit/>
+          </a:bodyPr>
+          <a:lstStyle/>
+          <a:p>
+            <a:r>
+              <a:rPr lang="en-US" altLang="ja-JP" sz="1400" dirty="0"/>
+              <a:t>docker build and run</a:t>
+            </a:r>
+            <a:endParaRPr kumimoji="1" lang="ja-JP" altLang="en-US" sz="1400" dirty="0"/>
+          </a:p>
+        </p:txBody>
+      </p:sp>
+      <p:sp>
+        <p:nvSpPr>
+          <p:cNvPr id="41" name="乗算記号 40">
+            <a:extLst>
+              <a:ext uri="{FF2B5EF4-FFF2-40B4-BE49-F238E27FC236}">
+                <a16:creationId xmlns:a16="http://schemas.microsoft.com/office/drawing/2014/main" id="{724F9E1A-E440-4FEC-BE00-AFEE66AD7A10}"/>
+              </a:ext>
+            </a:extLst>
+          </p:cNvPr>
+          <p:cNvSpPr/>
+          <p:nvPr/>
+        </p:nvSpPr>
+        <p:spPr>
+          <a:xfrm>
+            <a:off x="2164510" y="4369596"/>
+            <a:ext cx="888788" cy="956235"/>
+          </a:xfrm>
+          <a:prstGeom prst="mathMultiply">
+            <a:avLst>
+              <a:gd name="adj1" fmla="val 18813"/>
+            </a:avLst>
+          </a:prstGeom>
+          <a:solidFill>
+            <a:srgbClr val="EE0000"/>
+          </a:solidFill>
+          <a:ln>
+            <a:solidFill>
+              <a:srgbClr val="EE0000"/>
+            </a:solidFill>
+          </a:ln>
+        </p:spPr>
+        <p:style>
+          <a:lnRef idx="2">
+            <a:schemeClr val="accent1">
+              <a:shade val="50000"/>
+            </a:schemeClr>
+          </a:lnRef>
+          <a:fillRef idx="1">
+            <a:schemeClr val="accent1"/>
+          </a:fillRef>
+          <a:effectRef idx="0">
+            <a:schemeClr val="accent1"/>
+          </a:effectRef>
+          <a:fontRef idx="minor">
+            <a:schemeClr val="lt1"/>
+          </a:fontRef>
+        </p:style>
+        <p:txBody>
+          <a:bodyPr rtlCol="0" anchor="ctr"/>
+          <a:lstStyle/>
+          <a:p>
+            <a:pPr algn="ctr"/>
+            <a:endParaRPr kumimoji="1" lang="ja-JP" altLang="en-US"/>
+          </a:p>
+        </p:txBody>
+      </p:sp>
+      <p:sp>
+        <p:nvSpPr>
+          <p:cNvPr id="43" name="テキスト ボックス 42">
+            <a:extLst>
+              <a:ext uri="{FF2B5EF4-FFF2-40B4-BE49-F238E27FC236}">
+                <a16:creationId xmlns:a16="http://schemas.microsoft.com/office/drawing/2014/main" id="{7B03BA69-C391-4049-88E2-2822F6EFC478}"/>
+              </a:ext>
+            </a:extLst>
+          </p:cNvPr>
+          <p:cNvSpPr txBox="1"/>
+          <p:nvPr/>
+        </p:nvSpPr>
+        <p:spPr>
+          <a:xfrm>
+            <a:off x="4926499" y="4359681"/>
+            <a:ext cx="1789749" cy="307777"/>
+          </a:xfrm>
+          <a:prstGeom prst="rect">
+            <a:avLst/>
+          </a:prstGeom>
+          <a:noFill/>
+        </p:spPr>
+        <p:txBody>
+          <a:bodyPr wrap="square" rtlCol="0">
+            <a:spAutoFit/>
+          </a:bodyPr>
+          <a:lstStyle/>
+          <a:p>
+            <a:r>
+              <a:rPr kumimoji="1" lang="en-US" altLang="ja-JP" sz="1400" dirty="0"/>
+              <a:t>Volume Mount</a:t>
+            </a:r>
+            <a:endParaRPr kumimoji="1" lang="ja-JP" altLang="en-US" sz="1400" dirty="0"/>
+          </a:p>
+        </p:txBody>
+      </p:sp>
+      <p:sp>
+        <p:nvSpPr>
+          <p:cNvPr id="2" name="円柱 1">
+            <a:extLst>
+              <a:ext uri="{FF2B5EF4-FFF2-40B4-BE49-F238E27FC236}">
+                <a16:creationId xmlns:a16="http://schemas.microsoft.com/office/drawing/2014/main" id="{8B81E8D4-4690-4B35-93FB-F0C707560DA2}"/>
+              </a:ext>
+            </a:extLst>
+          </p:cNvPr>
+          <p:cNvSpPr/>
+          <p:nvPr/>
+        </p:nvSpPr>
+        <p:spPr>
+          <a:xfrm>
+            <a:off x="7667135" y="4725095"/>
+            <a:ext cx="1308847" cy="1189121"/>
+          </a:xfrm>
+          <a:prstGeom prst="can">
+            <a:avLst/>
+          </a:prstGeom>
+        </p:spPr>
+        <p:style>
+          <a:lnRef idx="2">
+            <a:schemeClr val="accent1">
+              <a:shade val="50000"/>
+            </a:schemeClr>
+          </a:lnRef>
+          <a:fillRef idx="1">
+            <a:schemeClr val="accent1"/>
+          </a:fillRef>
+          <a:effectRef idx="0">
+            <a:schemeClr val="accent1"/>
+          </a:effectRef>
+          <a:fontRef idx="minor">
+            <a:schemeClr val="lt1"/>
+          </a:fontRef>
+        </p:style>
+        <p:txBody>
+          <a:bodyPr rtlCol="0" anchor="ctr"/>
+          <a:lstStyle/>
+          <a:p>
+            <a:pPr algn="ctr"/>
+            <a:r>
+              <a:rPr lang="en-US" altLang="ja-JP" dirty="0"/>
+              <a:t>Volume</a:t>
+            </a:r>
+            <a:endParaRPr kumimoji="1" lang="ja-JP" altLang="en-US" dirty="0"/>
+          </a:p>
+        </p:txBody>
+      </p:sp>
+      <p:cxnSp>
+        <p:nvCxnSpPr>
+          <p:cNvPr id="3" name="直線矢印コネクタ 2">
+            <a:extLst>
+              <a:ext uri="{FF2B5EF4-FFF2-40B4-BE49-F238E27FC236}">
+                <a16:creationId xmlns:a16="http://schemas.microsoft.com/office/drawing/2014/main" id="{6C67940B-0835-40CB-A5ED-427608122BF9}"/>
+              </a:ext>
+            </a:extLst>
+          </p:cNvPr>
+          <p:cNvCxnSpPr>
+            <a:cxnSpLocks/>
+          </p:cNvCxnSpPr>
+          <p:nvPr/>
+        </p:nvCxnSpPr>
+        <p:spPr>
+          <a:xfrm>
+            <a:off x="8329232" y="3997474"/>
+            <a:ext cx="0" cy="817924"/>
+          </a:xfrm>
+          <a:prstGeom prst="straightConnector1">
+            <a:avLst/>
+          </a:prstGeom>
+          <a:ln w="28575">
+            <a:headEnd type="none" w="med" len="med"/>
+            <a:tailEnd type="arrow" w="med" len="med"/>
+          </a:ln>
+        </p:spPr>
+        <p:style>
+          <a:lnRef idx="1">
+            <a:schemeClr val="accent2"/>
+          </a:lnRef>
+          <a:fillRef idx="0">
+            <a:schemeClr val="accent2"/>
+          </a:fillRef>
+          <a:effectRef idx="0">
+            <a:schemeClr val="accent2"/>
+          </a:effectRef>
+          <a:fontRef idx="minor">
+            <a:schemeClr val="tx1"/>
+          </a:fontRef>
+        </p:style>
+      </p:cxnSp>
+      <p:sp>
+        <p:nvSpPr>
+          <p:cNvPr id="4" name="テキスト ボックス 3">
+            <a:extLst>
+              <a:ext uri="{FF2B5EF4-FFF2-40B4-BE49-F238E27FC236}">
+                <a16:creationId xmlns:a16="http://schemas.microsoft.com/office/drawing/2014/main" id="{DB180647-1199-406F-935B-5A44717B1B21}"/>
+              </a:ext>
+            </a:extLst>
+          </p:cNvPr>
+          <p:cNvSpPr txBox="1"/>
+          <p:nvPr/>
+        </p:nvSpPr>
+        <p:spPr>
+          <a:xfrm>
+            <a:off x="8329232" y="4305480"/>
+            <a:ext cx="1789749" cy="307777"/>
+          </a:xfrm>
+          <a:prstGeom prst="rect">
+            <a:avLst/>
+          </a:prstGeom>
+          <a:noFill/>
+        </p:spPr>
+        <p:txBody>
+          <a:bodyPr wrap="square" rtlCol="0">
+            <a:spAutoFit/>
+          </a:bodyPr>
+          <a:lstStyle/>
+          <a:p>
+            <a:r>
+              <a:rPr kumimoji="1" lang="en-US" altLang="ja-JP" sz="1400" dirty="0"/>
+              <a:t>Volume Mount</a:t>
+            </a:r>
+            <a:endParaRPr kumimoji="1" lang="ja-JP" altLang="en-US" sz="1400" dirty="0"/>
+          </a:p>
+        </p:txBody>
+      </p:sp>
+      <p:sp>
+        <p:nvSpPr>
+          <p:cNvPr id="7" name="四角形: 角を丸くする 6">
+            <a:extLst>
+              <a:ext uri="{FF2B5EF4-FFF2-40B4-BE49-F238E27FC236}">
+                <a16:creationId xmlns:a16="http://schemas.microsoft.com/office/drawing/2014/main" id="{FBBEF9AB-A5F5-4304-AE2C-92E8572CB5E4}"/>
+              </a:ext>
+            </a:extLst>
+          </p:cNvPr>
+          <p:cNvSpPr/>
+          <p:nvPr/>
+        </p:nvSpPr>
+        <p:spPr>
+          <a:xfrm>
+            <a:off x="1419421" y="842472"/>
+            <a:ext cx="1264443" cy="1189120"/>
+          </a:xfrm>
+          <a:prstGeom prst="roundRect">
+            <a:avLst/>
+          </a:prstGeom>
+        </p:spPr>
+        <p:style>
+          <a:lnRef idx="1">
+            <a:schemeClr val="accent5"/>
+          </a:lnRef>
+          <a:fillRef idx="2">
+            <a:schemeClr val="accent5"/>
+          </a:fillRef>
+          <a:effectRef idx="1">
+            <a:schemeClr val="accent5"/>
+          </a:effectRef>
+          <a:fontRef idx="minor">
+            <a:schemeClr val="dk1"/>
+          </a:fontRef>
+        </p:style>
+        <p:txBody>
+          <a:bodyPr rtlCol="0" anchor="ctr"/>
+          <a:lstStyle/>
+          <a:p>
+            <a:pPr algn="ctr"/>
+            <a:r>
+              <a:rPr kumimoji="1" lang="en-US" altLang="ja-JP" dirty="0"/>
+              <a:t>Browser</a:t>
+            </a:r>
+            <a:endParaRPr kumimoji="1" lang="ja-JP" altLang="en-US" dirty="0"/>
+          </a:p>
+        </p:txBody>
+      </p:sp>
+      <p:cxnSp>
+        <p:nvCxnSpPr>
+          <p:cNvPr id="9" name="コネクタ: カギ線 8">
+            <a:extLst>
+              <a:ext uri="{FF2B5EF4-FFF2-40B4-BE49-F238E27FC236}">
+                <a16:creationId xmlns:a16="http://schemas.microsoft.com/office/drawing/2014/main" id="{894B9CD6-26D8-46D4-9201-DEAAFB06BF81}"/>
+              </a:ext>
+            </a:extLst>
+          </p:cNvPr>
+          <p:cNvCxnSpPr>
+            <a:stCxn id="7" idx="3"/>
+            <a:endCxn id="22" idx="0"/>
+          </p:cNvCxnSpPr>
+          <p:nvPr/>
+        </p:nvCxnSpPr>
+        <p:spPr>
+          <a:xfrm>
+            <a:off x="2683864" y="1437032"/>
+            <a:ext cx="5723606" cy="998591"/>
+          </a:xfrm>
+          <a:prstGeom prst="bentConnector2">
+            <a:avLst/>
+          </a:prstGeom>
+          <a:ln w="28575">
+            <a:headEnd type="none" w="med" len="med"/>
+            <a:tailEnd type="arrow" w="med" len="med"/>
+          </a:ln>
+        </p:spPr>
+        <p:style>
+          <a:lnRef idx="1">
+            <a:schemeClr val="accent2"/>
+          </a:lnRef>
+          <a:fillRef idx="0">
+            <a:schemeClr val="accent2"/>
+          </a:fillRef>
+          <a:effectRef idx="0">
+            <a:schemeClr val="accent2"/>
+          </a:effectRef>
+          <a:fontRef idx="minor">
+            <a:schemeClr val="tx1"/>
+          </a:fontRef>
+        </p:style>
+      </p:cxnSp>
+      <p:sp>
+        <p:nvSpPr>
+          <p:cNvPr id="11" name="テキスト ボックス 10">
+            <a:extLst>
+              <a:ext uri="{FF2B5EF4-FFF2-40B4-BE49-F238E27FC236}">
+                <a16:creationId xmlns:a16="http://schemas.microsoft.com/office/drawing/2014/main" id="{ABA006AC-0573-4350-B874-39007097B742}"/>
+              </a:ext>
+            </a:extLst>
+          </p:cNvPr>
+          <p:cNvSpPr txBox="1"/>
+          <p:nvPr/>
+        </p:nvSpPr>
+        <p:spPr>
+          <a:xfrm>
+            <a:off x="8396811" y="1660471"/>
+            <a:ext cx="1789749" cy="307777"/>
+          </a:xfrm>
+          <a:prstGeom prst="rect">
+            <a:avLst/>
+          </a:prstGeom>
+          <a:noFill/>
+        </p:spPr>
+        <p:txBody>
+          <a:bodyPr wrap="square" rtlCol="0">
+            <a:spAutoFit/>
+          </a:bodyPr>
+          <a:lstStyle/>
+          <a:p>
+            <a:r>
+              <a:rPr lang="en-US" altLang="ja-JP" sz="1400" dirty="0"/>
+              <a:t>Port Mapping</a:t>
+            </a:r>
+            <a:endParaRPr kumimoji="1" lang="ja-JP" altLang="en-US" sz="1400" dirty="0"/>
+          </a:p>
+        </p:txBody>
+      </p:sp>
+      <p:sp>
+        <p:nvSpPr>
+          <p:cNvPr id="12" name="四角形: 角を丸くする 11">
+            <a:extLst>
+              <a:ext uri="{FF2B5EF4-FFF2-40B4-BE49-F238E27FC236}">
+                <a16:creationId xmlns:a16="http://schemas.microsoft.com/office/drawing/2014/main" id="{40DE2628-FD45-486C-9287-347EE3C63E29}"/>
+              </a:ext>
+            </a:extLst>
+          </p:cNvPr>
+          <p:cNvSpPr/>
+          <p:nvPr/>
+        </p:nvSpPr>
+        <p:spPr>
+          <a:xfrm>
+            <a:off x="4075333" y="3080604"/>
+            <a:ext cx="1529976" cy="416779"/>
+          </a:xfrm>
+          <a:prstGeom prst="roundRect">
+            <a:avLst/>
+          </a:prstGeom>
+        </p:spPr>
+        <p:style>
+          <a:lnRef idx="1">
+            <a:schemeClr val="accent5"/>
+          </a:lnRef>
+          <a:fillRef idx="2">
+            <a:schemeClr val="accent5"/>
+          </a:fillRef>
+          <a:effectRef idx="1">
+            <a:schemeClr val="accent5"/>
+          </a:effectRef>
+          <a:fontRef idx="minor">
+            <a:schemeClr val="dk1"/>
+          </a:fontRef>
+        </p:style>
+        <p:txBody>
+          <a:bodyPr rtlCol="0" anchor="ctr"/>
+          <a:lstStyle/>
+          <a:p>
+            <a:pPr algn="ctr"/>
+            <a:r>
+              <a:rPr kumimoji="1" lang="en-US" altLang="ja-JP" sz="1400" dirty="0"/>
+              <a:t>VS</a:t>
+            </a:r>
+            <a:r>
+              <a:rPr kumimoji="1" lang="ja-JP" altLang="en-US" sz="1400" dirty="0"/>
+              <a:t> </a:t>
+            </a:r>
+            <a:r>
+              <a:rPr kumimoji="1" lang="en-US" altLang="ja-JP" sz="1400" dirty="0"/>
+              <a:t>Code Server</a:t>
+            </a:r>
+            <a:endParaRPr kumimoji="1" lang="ja-JP" altLang="en-US" sz="1400" dirty="0"/>
+          </a:p>
+        </p:txBody>
+      </p:sp>
+      <p:cxnSp>
+        <p:nvCxnSpPr>
+          <p:cNvPr id="24" name="直線矢印コネクタ 23">
+            <a:extLst>
+              <a:ext uri="{FF2B5EF4-FFF2-40B4-BE49-F238E27FC236}">
+                <a16:creationId xmlns:a16="http://schemas.microsoft.com/office/drawing/2014/main" id="{1F187014-9C87-492A-AD5E-F1A9E4096CD3}"/>
+              </a:ext>
+            </a:extLst>
+          </p:cNvPr>
+          <p:cNvCxnSpPr/>
+          <p:nvPr/>
+        </p:nvCxnSpPr>
+        <p:spPr>
+          <a:xfrm>
+            <a:off x="2670442" y="3284925"/>
+            <a:ext cx="1499552" cy="0"/>
+          </a:xfrm>
+          <a:prstGeom prst="straightConnector1">
+            <a:avLst/>
+          </a:prstGeom>
+          <a:ln w="28575">
+            <a:headEnd type="none" w="med" len="med"/>
+            <a:tailEnd type="arrow" w="med" len="med"/>
+          </a:ln>
+        </p:spPr>
+        <p:style>
+          <a:lnRef idx="1">
+            <a:schemeClr val="accent2"/>
+          </a:lnRef>
+          <a:fillRef idx="0">
+            <a:schemeClr val="accent2"/>
+          </a:fillRef>
+          <a:effectRef idx="0">
+            <a:schemeClr val="accent2"/>
+          </a:effectRef>
+          <a:fontRef idx="minor">
+            <a:schemeClr val="tx1"/>
+          </a:fontRef>
+        </p:style>
+      </p:cxnSp>
+    </p:spTree>
+    <p:extLst>
+      <p:ext uri="{BB962C8B-B14F-4D97-AF65-F5344CB8AC3E}">
+        <p14:creationId xmlns:p14="http://schemas.microsoft.com/office/powerpoint/2010/main" val="3208400157"/>
+      </p:ext>
+    </p:extLst>
+  </p:cSld>
+  <p:clrMapOvr>
+    <a:masterClrMapping/>
+  </p:clrMapOvr>
+</p:sld>
+</file>
+
+<file path=ppt/slides/slide3.xml><?xml version="1.0" encoding="utf-8"?>
+<p:sld xmlns:a="http://schemas.openxmlformats.org/drawingml/2006/main" xmlns:r="http://schemas.openxmlformats.org/officeDocument/2006/relationships" xmlns:p="http://schemas.openxmlformats.org/presentationml/2006/main">
+  <p:cSld>
+    <p:spTree>
+      <p:nvGrpSpPr>
+        <p:cNvPr id="1" name=""/>
+        <p:cNvGrpSpPr/>
+        <p:nvPr/>
+      </p:nvGrpSpPr>
+      <p:grpSpPr>
+        <a:xfrm>
+          <a:off x="0" y="0"/>
+          <a:ext cx="0" cy="0"/>
+          <a:chOff x="0" y="0"/>
+          <a:chExt cx="0" cy="0"/>
+        </a:xfrm>
+      </p:grpSpPr>
+      <p:sp>
+        <p:nvSpPr>
+          <p:cNvPr id="15" name="直方体 14">
+            <a:extLst>
+              <a:ext uri="{FF2B5EF4-FFF2-40B4-BE49-F238E27FC236}">
+                <a16:creationId xmlns:a16="http://schemas.microsoft.com/office/drawing/2014/main" id="{D1217599-7C99-48EC-917A-FE304DAF412C}"/>
+              </a:ext>
+            </a:extLst>
+          </p:cNvPr>
+          <p:cNvSpPr/>
+          <p:nvPr/>
+        </p:nvSpPr>
+        <p:spPr>
+          <a:xfrm>
+            <a:off x="3899589" y="667685"/>
+            <a:ext cx="5391450" cy="3374783"/>
+          </a:xfrm>
+          <a:prstGeom prst="cube">
+            <a:avLst>
+              <a:gd name="adj" fmla="val 8021"/>
+            </a:avLst>
+          </a:prstGeom>
+        </p:spPr>
+        <p:style>
+          <a:lnRef idx="2">
+            <a:schemeClr val="accent1">
+              <a:shade val="50000"/>
+            </a:schemeClr>
+          </a:lnRef>
+          <a:fillRef idx="1">
+            <a:schemeClr val="accent1"/>
+          </a:fillRef>
+          <a:effectRef idx="0">
+            <a:schemeClr val="accent1"/>
+          </a:effectRef>
+          <a:fontRef idx="minor">
+            <a:schemeClr val="lt1"/>
+          </a:fontRef>
+        </p:style>
+        <p:txBody>
+          <a:bodyPr rtlCol="0" anchor="t"/>
+          <a:lstStyle/>
+          <a:p>
+            <a:pPr algn="ctr"/>
+            <a:r>
+              <a:rPr kumimoji="1" lang="en-US" altLang="ja-JP" dirty="0"/>
+              <a:t>Dev Container</a:t>
+            </a:r>
+            <a:endParaRPr kumimoji="1" lang="ja-JP" altLang="en-US" dirty="0"/>
+          </a:p>
+        </p:txBody>
+      </p:sp>
+      <p:sp>
+        <p:nvSpPr>
+          <p:cNvPr id="10" name="正方形/長方形 9">
+            <a:extLst>
+              <a:ext uri="{FF2B5EF4-FFF2-40B4-BE49-F238E27FC236}">
+                <a16:creationId xmlns:a16="http://schemas.microsoft.com/office/drawing/2014/main" id="{61E8BDC1-1908-4534-9D73-AD5B09B88150}"/>
+              </a:ext>
+            </a:extLst>
+          </p:cNvPr>
+          <p:cNvSpPr/>
+          <p:nvPr/>
+        </p:nvSpPr>
+        <p:spPr>
+          <a:xfrm>
+            <a:off x="6096000" y="1373897"/>
+            <a:ext cx="2712567" cy="1688389"/>
+          </a:xfrm>
+          <a:prstGeom prst="rect">
+            <a:avLst/>
+          </a:prstGeom>
+          <a:solidFill>
+            <a:schemeClr val="accent6">
+              <a:lumMod val="20000"/>
+              <a:lumOff val="80000"/>
+            </a:schemeClr>
+          </a:solidFill>
+        </p:spPr>
+        <p:style>
+          <a:lnRef idx="2">
+            <a:schemeClr val="accent5"/>
+          </a:lnRef>
+          <a:fillRef idx="1">
+            <a:schemeClr val="lt1"/>
+          </a:fillRef>
+          <a:effectRef idx="0">
+            <a:schemeClr val="accent5"/>
+          </a:effectRef>
+          <a:fontRef idx="minor">
+            <a:schemeClr val="dk1"/>
+          </a:fontRef>
+        </p:style>
+        <p:txBody>
+          <a:bodyPr rtlCol="0" anchor="b"/>
+          <a:lstStyle/>
+          <a:p>
+            <a:r>
+              <a:rPr kumimoji="1" lang="en-US" altLang="ja-JP" sz="1400" b="1" dirty="0"/>
+              <a:t>Docker Host</a:t>
+            </a:r>
+            <a:endParaRPr kumimoji="1" lang="ja-JP" altLang="en-US" sz="1400" b="1" dirty="0"/>
+          </a:p>
+        </p:txBody>
+      </p:sp>
+      <p:sp>
+        <p:nvSpPr>
+          <p:cNvPr id="6" name="四角形: 角を丸くする 5">
+            <a:extLst>
+              <a:ext uri="{FF2B5EF4-FFF2-40B4-BE49-F238E27FC236}">
+                <a16:creationId xmlns:a16="http://schemas.microsoft.com/office/drawing/2014/main" id="{DE76D8B1-2ED0-4669-AC6F-8A727A5D6341}"/>
+              </a:ext>
+            </a:extLst>
+          </p:cNvPr>
+          <p:cNvSpPr/>
+          <p:nvPr/>
+        </p:nvSpPr>
+        <p:spPr>
+          <a:xfrm>
+            <a:off x="1423009" y="2716415"/>
+            <a:ext cx="1264443" cy="1189120"/>
+          </a:xfrm>
+          <a:prstGeom prst="roundRect">
+            <a:avLst/>
+          </a:prstGeom>
+        </p:spPr>
+        <p:style>
+          <a:lnRef idx="1">
+            <a:schemeClr val="accent5"/>
+          </a:lnRef>
+          <a:fillRef idx="2">
+            <a:schemeClr val="accent5"/>
+          </a:fillRef>
+          <a:effectRef idx="1">
+            <a:schemeClr val="accent5"/>
+          </a:effectRef>
+          <a:fontRef idx="minor">
+            <a:schemeClr val="dk1"/>
+          </a:fontRef>
+        </p:style>
+        <p:txBody>
+          <a:bodyPr rtlCol="0" anchor="ctr"/>
+          <a:lstStyle/>
+          <a:p>
+            <a:pPr algn="ctr"/>
+            <a:r>
+              <a:rPr kumimoji="1" lang="en-US" altLang="ja-JP" dirty="0"/>
+              <a:t>VS</a:t>
+            </a:r>
+            <a:r>
+              <a:rPr kumimoji="1" lang="ja-JP" altLang="en-US" dirty="0"/>
+              <a:t> </a:t>
+            </a:r>
+            <a:r>
+              <a:rPr kumimoji="1" lang="en-US" altLang="ja-JP" dirty="0"/>
+              <a:t>Code</a:t>
+            </a:r>
+            <a:endParaRPr kumimoji="1" lang="ja-JP" altLang="en-US" dirty="0"/>
+          </a:p>
+        </p:txBody>
+      </p:sp>
+      <p:sp>
+        <p:nvSpPr>
+          <p:cNvPr id="13" name="四角形: 角を丸くする 12">
+            <a:extLst>
+              <a:ext uri="{FF2B5EF4-FFF2-40B4-BE49-F238E27FC236}">
+                <a16:creationId xmlns:a16="http://schemas.microsoft.com/office/drawing/2014/main" id="{81D3D1F8-E32B-49DB-8F71-A739F32AE0C0}"/>
+              </a:ext>
+            </a:extLst>
+          </p:cNvPr>
+          <p:cNvSpPr/>
+          <p:nvPr/>
+        </p:nvSpPr>
+        <p:spPr>
+          <a:xfrm>
+            <a:off x="1423009" y="4623653"/>
+            <a:ext cx="1264443" cy="1189120"/>
+          </a:xfrm>
+          <a:prstGeom prst="roundRect">
+            <a:avLst/>
+          </a:prstGeom>
+        </p:spPr>
+        <p:style>
+          <a:lnRef idx="1">
+            <a:schemeClr val="accent5"/>
+          </a:lnRef>
+          <a:fillRef idx="2">
+            <a:schemeClr val="accent5"/>
+          </a:fillRef>
+          <a:effectRef idx="1">
+            <a:schemeClr val="accent5"/>
+          </a:effectRef>
+          <a:fontRef idx="minor">
+            <a:schemeClr val="dk1"/>
+          </a:fontRef>
+        </p:style>
+        <p:txBody>
+          <a:bodyPr rtlCol="0" anchor="ctr"/>
+          <a:lstStyle/>
+          <a:p>
+            <a:pPr algn="ctr"/>
+            <a:r>
+              <a:rPr kumimoji="1" lang="en-US" altLang="ja-JP" dirty="0"/>
+              <a:t>SDK, Runtime, </a:t>
+            </a:r>
+            <a:r>
+              <a:rPr kumimoji="1" lang="en-US" altLang="ja-JP" dirty="0" err="1"/>
+              <a:t>etc</a:t>
+            </a:r>
+            <a:r>
+              <a:rPr kumimoji="1" lang="en-US" altLang="ja-JP" dirty="0"/>
+              <a:t>…</a:t>
+            </a:r>
+            <a:endParaRPr kumimoji="1" lang="ja-JP" altLang="en-US" dirty="0"/>
+          </a:p>
+        </p:txBody>
+      </p:sp>
+      <p:sp>
+        <p:nvSpPr>
+          <p:cNvPr id="14" name="円柱 13">
+            <a:extLst>
+              <a:ext uri="{FF2B5EF4-FFF2-40B4-BE49-F238E27FC236}">
+                <a16:creationId xmlns:a16="http://schemas.microsoft.com/office/drawing/2014/main" id="{777F2FC8-E3C0-4A07-B5F9-C7B177CBFB2F}"/>
+              </a:ext>
+            </a:extLst>
+          </p:cNvPr>
+          <p:cNvSpPr/>
+          <p:nvPr/>
+        </p:nvSpPr>
+        <p:spPr>
+          <a:xfrm>
+            <a:off x="4307932" y="4725095"/>
+            <a:ext cx="1308847" cy="1189121"/>
+          </a:xfrm>
+          <a:prstGeom prst="can">
+            <a:avLst/>
+          </a:prstGeom>
+        </p:spPr>
+        <p:style>
+          <a:lnRef idx="2">
+            <a:schemeClr val="accent1">
+              <a:shade val="50000"/>
+            </a:schemeClr>
+          </a:lnRef>
+          <a:fillRef idx="1">
+            <a:schemeClr val="accent1"/>
+          </a:fillRef>
+          <a:effectRef idx="0">
+            <a:schemeClr val="accent1"/>
+          </a:effectRef>
+          <a:fontRef idx="minor">
+            <a:schemeClr val="lt1"/>
+          </a:fontRef>
+        </p:style>
+        <p:txBody>
+          <a:bodyPr rtlCol="0" anchor="ctr"/>
+          <a:lstStyle/>
+          <a:p>
+            <a:pPr algn="ctr"/>
+            <a:r>
+              <a:rPr kumimoji="1" lang="en-US" altLang="ja-JP" dirty="0"/>
+              <a:t>Source Code</a:t>
+            </a:r>
+            <a:endParaRPr kumimoji="1" lang="ja-JP" altLang="en-US" dirty="0"/>
+          </a:p>
+        </p:txBody>
+      </p:sp>
+      <p:sp>
+        <p:nvSpPr>
+          <p:cNvPr id="17" name="四角形: 角を丸くする 16">
+            <a:extLst>
+              <a:ext uri="{FF2B5EF4-FFF2-40B4-BE49-F238E27FC236}">
+                <a16:creationId xmlns:a16="http://schemas.microsoft.com/office/drawing/2014/main" id="{0E09E146-2D6A-4E6D-B2EF-E076B0F80E1A}"/>
+              </a:ext>
+            </a:extLst>
+          </p:cNvPr>
+          <p:cNvSpPr/>
+          <p:nvPr/>
+        </p:nvSpPr>
+        <p:spPr>
+          <a:xfrm>
+            <a:off x="4086803" y="3551474"/>
+            <a:ext cx="1529976" cy="378890"/>
+          </a:xfrm>
+          <a:prstGeom prst="roundRect">
+            <a:avLst/>
+          </a:prstGeom>
+        </p:spPr>
+        <p:style>
+          <a:lnRef idx="1">
+            <a:schemeClr val="accent5"/>
+          </a:lnRef>
+          <a:fillRef idx="2">
+            <a:schemeClr val="accent5"/>
+          </a:fillRef>
+          <a:effectRef idx="1">
+            <a:schemeClr val="accent5"/>
+          </a:effectRef>
+          <a:fontRef idx="minor">
+            <a:schemeClr val="dk1"/>
+          </a:fontRef>
+        </p:style>
+        <p:txBody>
+          <a:bodyPr rtlCol="0" anchor="ctr"/>
+          <a:lstStyle/>
+          <a:p>
+            <a:pPr algn="ctr"/>
+            <a:r>
+              <a:rPr kumimoji="1" lang="en-US" altLang="ja-JP" sz="1400" dirty="0"/>
+              <a:t>SDK</a:t>
+            </a:r>
+            <a:endParaRPr kumimoji="1" lang="ja-JP" altLang="en-US" sz="1400" dirty="0"/>
+          </a:p>
+        </p:txBody>
+      </p:sp>
+      <p:sp>
+        <p:nvSpPr>
+          <p:cNvPr id="18" name="正方形/長方形 17">
+            <a:extLst>
+              <a:ext uri="{FF2B5EF4-FFF2-40B4-BE49-F238E27FC236}">
+                <a16:creationId xmlns:a16="http://schemas.microsoft.com/office/drawing/2014/main" id="{449AB529-2180-4826-87E9-AC59D89FB9C1}"/>
+              </a:ext>
+            </a:extLst>
+          </p:cNvPr>
+          <p:cNvSpPr/>
+          <p:nvPr/>
+        </p:nvSpPr>
+        <p:spPr>
+          <a:xfrm>
+            <a:off x="978624" y="156229"/>
+            <a:ext cx="8795218" cy="6017675"/>
+          </a:xfrm>
+          <a:prstGeom prst="rect">
+            <a:avLst/>
+          </a:prstGeom>
+          <a:noFill/>
+        </p:spPr>
+        <p:style>
+          <a:lnRef idx="2">
+            <a:schemeClr val="accent5"/>
+          </a:lnRef>
+          <a:fillRef idx="1">
+            <a:schemeClr val="lt1"/>
+          </a:fillRef>
+          <a:effectRef idx="0">
+            <a:schemeClr val="accent5"/>
+          </a:effectRef>
+          <a:fontRef idx="minor">
+            <a:schemeClr val="dk1"/>
+          </a:fontRef>
+        </p:style>
+        <p:txBody>
+          <a:bodyPr rtlCol="0" anchor="t"/>
+          <a:lstStyle/>
+          <a:p>
+            <a:r>
+              <a:rPr kumimoji="1" lang="ja-JP" altLang="en-US" dirty="0"/>
+              <a:t>開発端末 </a:t>
+            </a:r>
+            <a:endParaRPr kumimoji="1" lang="en-US" altLang="ja-JP" dirty="0"/>
+          </a:p>
+        </p:txBody>
+      </p:sp>
+      <p:sp>
+        <p:nvSpPr>
+          <p:cNvPr id="20" name="正方形/長方形 19">
+            <a:extLst>
+              <a:ext uri="{FF2B5EF4-FFF2-40B4-BE49-F238E27FC236}">
+                <a16:creationId xmlns:a16="http://schemas.microsoft.com/office/drawing/2014/main" id="{495399F2-7CC2-411A-8666-1A063CCC23CC}"/>
+              </a:ext>
+            </a:extLst>
+          </p:cNvPr>
+          <p:cNvSpPr/>
+          <p:nvPr/>
+        </p:nvSpPr>
+        <p:spPr>
+          <a:xfrm>
+            <a:off x="3486594" y="294078"/>
+            <a:ext cx="6113929" cy="3961172"/>
+          </a:xfrm>
+          <a:prstGeom prst="rect">
+            <a:avLst/>
+          </a:prstGeom>
+          <a:noFill/>
+        </p:spPr>
+        <p:style>
+          <a:lnRef idx="2">
+            <a:schemeClr val="accent5"/>
+          </a:lnRef>
+          <a:fillRef idx="1">
+            <a:schemeClr val="lt1"/>
+          </a:fillRef>
+          <a:effectRef idx="0">
+            <a:schemeClr val="accent5"/>
+          </a:effectRef>
+          <a:fontRef idx="minor">
+            <a:schemeClr val="dk1"/>
+          </a:fontRef>
+        </p:style>
+        <p:txBody>
+          <a:bodyPr rtlCol="0" anchor="t"/>
+          <a:lstStyle/>
+          <a:p>
+            <a:r>
+              <a:rPr kumimoji="1" lang="en-US" altLang="ja-JP" dirty="0"/>
+              <a:t>Docker Host</a:t>
+            </a:r>
+            <a:endParaRPr kumimoji="1" lang="ja-JP" altLang="en-US" dirty="0"/>
+          </a:p>
+        </p:txBody>
+      </p:sp>
+      <p:cxnSp>
+        <p:nvCxnSpPr>
+          <p:cNvPr id="24" name="直線矢印コネクタ 23">
+            <a:extLst>
+              <a:ext uri="{FF2B5EF4-FFF2-40B4-BE49-F238E27FC236}">
+                <a16:creationId xmlns:a16="http://schemas.microsoft.com/office/drawing/2014/main" id="{1F187014-9C87-492A-AD5E-F1A9E4096CD3}"/>
+              </a:ext>
+            </a:extLst>
+          </p:cNvPr>
+          <p:cNvCxnSpPr/>
+          <p:nvPr/>
+        </p:nvCxnSpPr>
+        <p:spPr>
+          <a:xfrm>
+            <a:off x="2619897" y="3284925"/>
+            <a:ext cx="1499552" cy="0"/>
           </a:xfrm>
           <a:prstGeom prst="straightConnector1">
             <a:avLst/>
@@ -4074,10 +6124,10 @@
       </p:cxnSp>
       <p:cxnSp>
         <p:nvCxnSpPr>
-          <p:cNvPr id="26" name="直線矢印コネクタ 25">
-            <a:extLst>
-              <a:ext uri="{FF2B5EF4-FFF2-40B4-BE49-F238E27FC236}">
-                <a16:creationId xmlns:a16="http://schemas.microsoft.com/office/drawing/2014/main" id="{2F513CC4-DF14-43E8-8132-916D3B597107}"/>
+          <p:cNvPr id="34" name="直線矢印コネクタ 33">
+            <a:extLst>
+              <a:ext uri="{FF2B5EF4-FFF2-40B4-BE49-F238E27FC236}">
+                <a16:creationId xmlns:a16="http://schemas.microsoft.com/office/drawing/2014/main" id="{820224AE-7D19-4885-83CE-898DA73B862C}"/>
               </a:ext>
             </a:extLst>
           </p:cNvPr>
@@ -4088,8 +6138,8 @@
         </p:nvCxnSpPr>
         <p:spPr>
           <a:xfrm>
-            <a:off x="6008915" y="1862315"/>
-            <a:ext cx="1239299" cy="0"/>
+            <a:off x="4926499" y="4045637"/>
+            <a:ext cx="0" cy="817924"/>
           </a:xfrm>
           <a:prstGeom prst="straightConnector1">
             <a:avLst/>
@@ -4116,144 +6166,6 @@
       </p:cxnSp>
       <p:sp>
         <p:nvSpPr>
-          <p:cNvPr id="30" name="四角形: 角を丸くする 29">
-            <a:extLst>
-              <a:ext uri="{FF2B5EF4-FFF2-40B4-BE49-F238E27FC236}">
-                <a16:creationId xmlns:a16="http://schemas.microsoft.com/office/drawing/2014/main" id="{106D7A08-59BA-46DD-959B-2069E5002497}"/>
-              </a:ext>
-            </a:extLst>
-          </p:cNvPr>
-          <p:cNvSpPr/>
-          <p:nvPr/>
-        </p:nvSpPr>
-        <p:spPr>
-          <a:xfrm>
-            <a:off x="7473576" y="2115615"/>
-            <a:ext cx="1529976" cy="378890"/>
-          </a:xfrm>
-          <a:prstGeom prst="roundRect">
-            <a:avLst/>
-          </a:prstGeom>
-        </p:spPr>
-        <p:style>
-          <a:lnRef idx="1">
-            <a:schemeClr val="accent5"/>
-          </a:lnRef>
-          <a:fillRef idx="2">
-            <a:schemeClr val="accent5"/>
-          </a:fillRef>
-          <a:effectRef idx="1">
-            <a:schemeClr val="accent5"/>
-          </a:effectRef>
-          <a:fontRef idx="minor">
-            <a:schemeClr val="dk1"/>
-          </a:fontRef>
-        </p:style>
-        <p:txBody>
-          <a:bodyPr rtlCol="0" anchor="ctr"/>
-          <a:lstStyle/>
-          <a:p>
-            <a:pPr algn="ctr"/>
-            <a:r>
-              <a:rPr kumimoji="1" lang="en-US" altLang="ja-JP" sz="1400" dirty="0"/>
-              <a:t>Runtime</a:t>
-            </a:r>
-            <a:endParaRPr kumimoji="1" lang="ja-JP" altLang="en-US" sz="1400" dirty="0"/>
-          </a:p>
-        </p:txBody>
-      </p:sp>
-      <p:sp>
-        <p:nvSpPr>
-          <p:cNvPr id="32" name="四角形: 角を丸くする 31">
-            <a:extLst>
-              <a:ext uri="{FF2B5EF4-FFF2-40B4-BE49-F238E27FC236}">
-                <a16:creationId xmlns:a16="http://schemas.microsoft.com/office/drawing/2014/main" id="{C11B50D6-823C-4BB7-8CF0-8D3271C6B2D1}"/>
-              </a:ext>
-            </a:extLst>
-          </p:cNvPr>
-          <p:cNvSpPr/>
-          <p:nvPr/>
-        </p:nvSpPr>
-        <p:spPr>
-          <a:xfrm>
-            <a:off x="7473576" y="1622636"/>
-            <a:ext cx="1529976" cy="378890"/>
-          </a:xfrm>
-          <a:prstGeom prst="roundRect">
-            <a:avLst/>
-          </a:prstGeom>
-        </p:spPr>
-        <p:style>
-          <a:lnRef idx="1">
-            <a:schemeClr val="accent5"/>
-          </a:lnRef>
-          <a:fillRef idx="2">
-            <a:schemeClr val="accent5"/>
-          </a:fillRef>
-          <a:effectRef idx="1">
-            <a:schemeClr val="accent5"/>
-          </a:effectRef>
-          <a:fontRef idx="minor">
-            <a:schemeClr val="dk1"/>
-          </a:fontRef>
-        </p:style>
-        <p:txBody>
-          <a:bodyPr rtlCol="0" anchor="ctr"/>
-          <a:lstStyle/>
-          <a:p>
-            <a:pPr algn="ctr"/>
-            <a:r>
-              <a:rPr kumimoji="1" lang="en-US" altLang="ja-JP" sz="1400" dirty="0"/>
-              <a:t>App</a:t>
-            </a:r>
-            <a:endParaRPr kumimoji="1" lang="ja-JP" altLang="en-US" sz="1400" dirty="0"/>
-          </a:p>
-        </p:txBody>
-      </p:sp>
-      <p:cxnSp>
-        <p:nvCxnSpPr>
-          <p:cNvPr id="34" name="直線矢印コネクタ 33">
-            <a:extLst>
-              <a:ext uri="{FF2B5EF4-FFF2-40B4-BE49-F238E27FC236}">
-                <a16:creationId xmlns:a16="http://schemas.microsoft.com/office/drawing/2014/main" id="{820224AE-7D19-4885-83CE-898DA73B862C}"/>
-              </a:ext>
-            </a:extLst>
-          </p:cNvPr>
-          <p:cNvCxnSpPr>
-            <a:cxnSpLocks/>
-          </p:cNvCxnSpPr>
-          <p:nvPr/>
-        </p:nvCxnSpPr>
-        <p:spPr>
-          <a:xfrm>
-            <a:off x="4954069" y="2634980"/>
-            <a:ext cx="0" cy="817924"/>
-          </a:xfrm>
-          <a:prstGeom prst="straightConnector1">
-            <a:avLst/>
-          </a:prstGeom>
-          <a:ln w="28575">
-            <a:headEnd type="none" w="med" len="med"/>
-            <a:tailEnd type="arrow" w="med" len="med"/>
-          </a:ln>
-        </p:spPr>
-        <p:style>
-          <a:lnRef idx="1">
-            <a:schemeClr val="accent2"/>
-          </a:lnRef>
-          <a:fillRef idx="0">
-            <a:schemeClr val="accent2"/>
-          </a:fillRef>
-          <a:effectRef idx="0">
-            <a:schemeClr val="accent2"/>
-          </a:effectRef>
-          <a:fontRef idx="minor">
-            <a:schemeClr val="tx1"/>
-          </a:fontRef>
-        </p:style>
-      </p:cxnSp>
-      <p:sp>
-        <p:nvSpPr>
           <p:cNvPr id="36" name="テキスト ボックス 35">
             <a:extLst>
               <a:ext uri="{FF2B5EF4-FFF2-40B4-BE49-F238E27FC236}">
@@ -4266,7 +6178,7 @@
         </p:nvSpPr>
         <p:spPr>
           <a:xfrm>
-            <a:off x="2861972" y="1410207"/>
+            <a:off x="2834402" y="2820864"/>
             <a:ext cx="1008973" cy="523220"/>
           </a:xfrm>
           <a:prstGeom prst="rect">
@@ -4290,42 +6202,6 @@
       </p:sp>
       <p:sp>
         <p:nvSpPr>
-          <p:cNvPr id="38" name="テキスト ボックス 37">
-            <a:extLst>
-              <a:ext uri="{FF2B5EF4-FFF2-40B4-BE49-F238E27FC236}">
-                <a16:creationId xmlns:a16="http://schemas.microsoft.com/office/drawing/2014/main" id="{A94B4027-C615-4C4C-A4FF-6E10AFB23414}"/>
-              </a:ext>
-            </a:extLst>
-          </p:cNvPr>
-          <p:cNvSpPr txBox="1"/>
-          <p:nvPr/>
-        </p:nvSpPr>
-        <p:spPr>
-          <a:xfrm>
-            <a:off x="6051996" y="1592541"/>
-            <a:ext cx="1308845" cy="523220"/>
-          </a:xfrm>
-          <a:prstGeom prst="rect">
-            <a:avLst/>
-          </a:prstGeom>
-          <a:noFill/>
-        </p:spPr>
-        <p:txBody>
-          <a:bodyPr wrap="square" rtlCol="0">
-            <a:spAutoFit/>
-          </a:bodyPr>
-          <a:lstStyle/>
-          <a:p>
-            <a:r>
-              <a:rPr lang="en-US" altLang="ja-JP" sz="1400" dirty="0"/>
-              <a:t>docker build and run</a:t>
-            </a:r>
-            <a:endParaRPr kumimoji="1" lang="ja-JP" altLang="en-US" sz="1400" dirty="0"/>
-          </a:p>
-        </p:txBody>
-      </p:sp>
-      <p:sp>
-        <p:nvSpPr>
           <p:cNvPr id="41" name="乗算記号 40">
             <a:extLst>
               <a:ext uri="{FF2B5EF4-FFF2-40B4-BE49-F238E27FC236}">
@@ -4338,7 +6214,7 @@
         </p:nvSpPr>
         <p:spPr>
           <a:xfrm>
-            <a:off x="2192080" y="2958939"/>
+            <a:off x="2164510" y="4369596"/>
             <a:ext cx="888788" cy="956235"/>
           </a:xfrm>
           <a:prstGeom prst="mathMultiply">
@@ -4394,7 +6270,7 @@
         </p:nvSpPr>
         <p:spPr>
           <a:xfrm>
-            <a:off x="4954069" y="2949024"/>
+            <a:off x="4926499" y="4359681"/>
             <a:ext cx="1789749" cy="307777"/>
           </a:xfrm>
           <a:prstGeom prst="rect">
@@ -4416,10 +6292,723 @@
           </a:p>
         </p:txBody>
       </p:sp>
+      <p:sp>
+        <p:nvSpPr>
+          <p:cNvPr id="22" name="直方体 21">
+            <a:extLst>
+              <a:ext uri="{FF2B5EF4-FFF2-40B4-BE49-F238E27FC236}">
+                <a16:creationId xmlns:a16="http://schemas.microsoft.com/office/drawing/2014/main" id="{55F42A4D-1E04-443B-92C9-DDE255712007}"/>
+              </a:ext>
+            </a:extLst>
+          </p:cNvPr>
+          <p:cNvSpPr/>
+          <p:nvPr/>
+        </p:nvSpPr>
+        <p:spPr>
+          <a:xfrm>
+            <a:off x="7072941" y="1500932"/>
+            <a:ext cx="1531162" cy="1180926"/>
+          </a:xfrm>
+          <a:prstGeom prst="cube">
+            <a:avLst>
+              <a:gd name="adj" fmla="val 13593"/>
+            </a:avLst>
+          </a:prstGeom>
+        </p:spPr>
+        <p:style>
+          <a:lnRef idx="2">
+            <a:schemeClr val="accent6">
+              <a:shade val="50000"/>
+            </a:schemeClr>
+          </a:lnRef>
+          <a:fillRef idx="1">
+            <a:schemeClr val="accent6"/>
+          </a:fillRef>
+          <a:effectRef idx="0">
+            <a:schemeClr val="accent6"/>
+          </a:effectRef>
+          <a:fontRef idx="minor">
+            <a:schemeClr val="lt1"/>
+          </a:fontRef>
+        </p:style>
+        <p:txBody>
+          <a:bodyPr rtlCol="0" anchor="t"/>
+          <a:lstStyle/>
+          <a:p>
+            <a:pPr algn="ctr"/>
+            <a:r>
+              <a:rPr kumimoji="1" lang="en-US" altLang="ja-JP" sz="1050" dirty="0"/>
+              <a:t>App</a:t>
+            </a:r>
+            <a:r>
+              <a:rPr kumimoji="1" lang="ja-JP" altLang="en-US" sz="1050" dirty="0"/>
+              <a:t> </a:t>
+            </a:r>
+            <a:r>
+              <a:rPr kumimoji="1" lang="en-US" altLang="ja-JP" sz="1050" dirty="0"/>
+              <a:t>Container</a:t>
+            </a:r>
+            <a:endParaRPr kumimoji="1" lang="ja-JP" altLang="en-US" sz="1050" dirty="0"/>
+          </a:p>
+        </p:txBody>
+      </p:sp>
+      <p:sp>
+        <p:nvSpPr>
+          <p:cNvPr id="30" name="四角形: 角を丸くする 29">
+            <a:extLst>
+              <a:ext uri="{FF2B5EF4-FFF2-40B4-BE49-F238E27FC236}">
+                <a16:creationId xmlns:a16="http://schemas.microsoft.com/office/drawing/2014/main" id="{106D7A08-59BA-46DD-959B-2069E5002497}"/>
+              </a:ext>
+            </a:extLst>
+          </p:cNvPr>
+          <p:cNvSpPr/>
+          <p:nvPr/>
+        </p:nvSpPr>
+        <p:spPr>
+          <a:xfrm>
+            <a:off x="7196421" y="2320353"/>
+            <a:ext cx="1149494" cy="284666"/>
+          </a:xfrm>
+          <a:prstGeom prst="roundRect">
+            <a:avLst/>
+          </a:prstGeom>
+        </p:spPr>
+        <p:style>
+          <a:lnRef idx="1">
+            <a:schemeClr val="accent6"/>
+          </a:lnRef>
+          <a:fillRef idx="2">
+            <a:schemeClr val="accent6"/>
+          </a:fillRef>
+          <a:effectRef idx="1">
+            <a:schemeClr val="accent6"/>
+          </a:effectRef>
+          <a:fontRef idx="minor">
+            <a:schemeClr val="dk1"/>
+          </a:fontRef>
+        </p:style>
+        <p:txBody>
+          <a:bodyPr rtlCol="0" anchor="ctr"/>
+          <a:lstStyle/>
+          <a:p>
+            <a:pPr algn="ctr"/>
+            <a:r>
+              <a:rPr kumimoji="1" lang="en-US" altLang="ja-JP" sz="900" dirty="0"/>
+              <a:t>Runtime</a:t>
+            </a:r>
+            <a:endParaRPr kumimoji="1" lang="ja-JP" altLang="en-US" sz="900" dirty="0"/>
+          </a:p>
+        </p:txBody>
+      </p:sp>
+      <p:sp>
+        <p:nvSpPr>
+          <p:cNvPr id="32" name="四角形: 角を丸くする 31">
+            <a:extLst>
+              <a:ext uri="{FF2B5EF4-FFF2-40B4-BE49-F238E27FC236}">
+                <a16:creationId xmlns:a16="http://schemas.microsoft.com/office/drawing/2014/main" id="{C11B50D6-823C-4BB7-8CF0-8D3271C6B2D1}"/>
+              </a:ext>
+            </a:extLst>
+          </p:cNvPr>
+          <p:cNvSpPr/>
+          <p:nvPr/>
+        </p:nvSpPr>
+        <p:spPr>
+          <a:xfrm>
+            <a:off x="7196421" y="1949971"/>
+            <a:ext cx="1149494" cy="284666"/>
+          </a:xfrm>
+          <a:prstGeom prst="roundRect">
+            <a:avLst/>
+          </a:prstGeom>
+        </p:spPr>
+        <p:style>
+          <a:lnRef idx="1">
+            <a:schemeClr val="accent6"/>
+          </a:lnRef>
+          <a:fillRef idx="2">
+            <a:schemeClr val="accent6"/>
+          </a:fillRef>
+          <a:effectRef idx="1">
+            <a:schemeClr val="accent6"/>
+          </a:effectRef>
+          <a:fontRef idx="minor">
+            <a:schemeClr val="dk1"/>
+          </a:fontRef>
+        </p:style>
+        <p:txBody>
+          <a:bodyPr rtlCol="0" anchor="ctr"/>
+          <a:lstStyle/>
+          <a:p>
+            <a:pPr algn="ctr"/>
+            <a:r>
+              <a:rPr kumimoji="1" lang="en-US" altLang="ja-JP" sz="900" dirty="0"/>
+              <a:t>App</a:t>
+            </a:r>
+            <a:endParaRPr kumimoji="1" lang="ja-JP" altLang="en-US" sz="900" dirty="0"/>
+          </a:p>
+        </p:txBody>
+      </p:sp>
+      <p:sp>
+        <p:nvSpPr>
+          <p:cNvPr id="38" name="テキスト ボックス 37">
+            <a:extLst>
+              <a:ext uri="{FF2B5EF4-FFF2-40B4-BE49-F238E27FC236}">
+                <a16:creationId xmlns:a16="http://schemas.microsoft.com/office/drawing/2014/main" id="{A94B4027-C615-4C4C-A4FF-6E10AFB23414}"/>
+              </a:ext>
+            </a:extLst>
+          </p:cNvPr>
+          <p:cNvSpPr txBox="1"/>
+          <p:nvPr/>
+        </p:nvSpPr>
+        <p:spPr>
+          <a:xfrm>
+            <a:off x="5732893" y="3293588"/>
+            <a:ext cx="983355" cy="415498"/>
+          </a:xfrm>
+          <a:prstGeom prst="rect">
+            <a:avLst/>
+          </a:prstGeom>
+          <a:noFill/>
+        </p:spPr>
+        <p:txBody>
+          <a:bodyPr wrap="square" rtlCol="0">
+            <a:spAutoFit/>
+          </a:bodyPr>
+          <a:lstStyle/>
+          <a:p>
+            <a:r>
+              <a:rPr lang="en-US" altLang="ja-JP" sz="1050" dirty="0"/>
+              <a:t>docker build and run</a:t>
+            </a:r>
+            <a:endParaRPr kumimoji="1" lang="ja-JP" altLang="en-US" sz="1050" dirty="0"/>
+          </a:p>
+        </p:txBody>
+      </p:sp>
+      <p:sp>
+        <p:nvSpPr>
+          <p:cNvPr id="2" name="円柱 1">
+            <a:extLst>
+              <a:ext uri="{FF2B5EF4-FFF2-40B4-BE49-F238E27FC236}">
+                <a16:creationId xmlns:a16="http://schemas.microsoft.com/office/drawing/2014/main" id="{8B81E8D4-4690-4B35-93FB-F0C707560DA2}"/>
+              </a:ext>
+            </a:extLst>
+          </p:cNvPr>
+          <p:cNvSpPr/>
+          <p:nvPr/>
+        </p:nvSpPr>
+        <p:spPr>
+          <a:xfrm>
+            <a:off x="7362559" y="3166717"/>
+            <a:ext cx="983356" cy="671227"/>
+          </a:xfrm>
+          <a:prstGeom prst="can">
+            <a:avLst/>
+          </a:prstGeom>
+        </p:spPr>
+        <p:style>
+          <a:lnRef idx="2">
+            <a:schemeClr val="accent6">
+              <a:shade val="50000"/>
+            </a:schemeClr>
+          </a:lnRef>
+          <a:fillRef idx="1">
+            <a:schemeClr val="accent6"/>
+          </a:fillRef>
+          <a:effectRef idx="0">
+            <a:schemeClr val="accent6"/>
+          </a:effectRef>
+          <a:fontRef idx="minor">
+            <a:schemeClr val="lt1"/>
+          </a:fontRef>
+        </p:style>
+        <p:txBody>
+          <a:bodyPr rtlCol="0" anchor="ctr"/>
+          <a:lstStyle/>
+          <a:p>
+            <a:pPr algn="ctr"/>
+            <a:r>
+              <a:rPr lang="en-US" altLang="ja-JP" sz="1050" dirty="0"/>
+              <a:t>Volume</a:t>
+            </a:r>
+            <a:endParaRPr kumimoji="1" lang="ja-JP" altLang="en-US" sz="1050" dirty="0"/>
+          </a:p>
+        </p:txBody>
+      </p:sp>
+      <p:cxnSp>
+        <p:nvCxnSpPr>
+          <p:cNvPr id="3" name="直線矢印コネクタ 2">
+            <a:extLst>
+              <a:ext uri="{FF2B5EF4-FFF2-40B4-BE49-F238E27FC236}">
+                <a16:creationId xmlns:a16="http://schemas.microsoft.com/office/drawing/2014/main" id="{6C67940B-0835-40CB-A5ED-427608122BF9}"/>
+              </a:ext>
+            </a:extLst>
+          </p:cNvPr>
+          <p:cNvCxnSpPr>
+            <a:cxnSpLocks/>
+          </p:cNvCxnSpPr>
+          <p:nvPr/>
+        </p:nvCxnSpPr>
+        <p:spPr>
+          <a:xfrm>
+            <a:off x="7860002" y="2674375"/>
+            <a:ext cx="0" cy="614519"/>
+          </a:xfrm>
+          <a:prstGeom prst="straightConnector1">
+            <a:avLst/>
+          </a:prstGeom>
+          <a:ln w="28575">
+            <a:headEnd type="none" w="med" len="med"/>
+            <a:tailEnd type="arrow" w="med" len="med"/>
+          </a:ln>
+        </p:spPr>
+        <p:style>
+          <a:lnRef idx="1">
+            <a:schemeClr val="accent2"/>
+          </a:lnRef>
+          <a:fillRef idx="0">
+            <a:schemeClr val="accent2"/>
+          </a:fillRef>
+          <a:effectRef idx="0">
+            <a:schemeClr val="accent2"/>
+          </a:effectRef>
+          <a:fontRef idx="minor">
+            <a:schemeClr val="tx1"/>
+          </a:fontRef>
+        </p:style>
+      </p:cxnSp>
+      <p:sp>
+        <p:nvSpPr>
+          <p:cNvPr id="4" name="テキスト ボックス 3">
+            <a:extLst>
+              <a:ext uri="{FF2B5EF4-FFF2-40B4-BE49-F238E27FC236}">
+                <a16:creationId xmlns:a16="http://schemas.microsoft.com/office/drawing/2014/main" id="{DB180647-1199-406F-935B-5A44717B1B21}"/>
+              </a:ext>
+            </a:extLst>
+          </p:cNvPr>
+          <p:cNvSpPr txBox="1"/>
+          <p:nvPr/>
+        </p:nvSpPr>
+        <p:spPr>
+          <a:xfrm>
+            <a:off x="7865498" y="2794783"/>
+            <a:ext cx="1060197" cy="230832"/>
+          </a:xfrm>
+          <a:prstGeom prst="rect">
+            <a:avLst/>
+          </a:prstGeom>
+          <a:noFill/>
+        </p:spPr>
+        <p:txBody>
+          <a:bodyPr wrap="square" rtlCol="0">
+            <a:spAutoFit/>
+          </a:bodyPr>
+          <a:lstStyle/>
+          <a:p>
+            <a:r>
+              <a:rPr kumimoji="1" lang="en-US" altLang="ja-JP" sz="900" dirty="0"/>
+              <a:t>Volume Mount</a:t>
+            </a:r>
+            <a:endParaRPr kumimoji="1" lang="ja-JP" altLang="en-US" sz="900" dirty="0"/>
+          </a:p>
+        </p:txBody>
+      </p:sp>
+      <p:sp>
+        <p:nvSpPr>
+          <p:cNvPr id="7" name="四角形: 角を丸くする 6">
+            <a:extLst>
+              <a:ext uri="{FF2B5EF4-FFF2-40B4-BE49-F238E27FC236}">
+                <a16:creationId xmlns:a16="http://schemas.microsoft.com/office/drawing/2014/main" id="{FBBEF9AB-A5F5-4304-AE2C-92E8572CB5E4}"/>
+              </a:ext>
+            </a:extLst>
+          </p:cNvPr>
+          <p:cNvSpPr/>
+          <p:nvPr/>
+        </p:nvSpPr>
+        <p:spPr>
+          <a:xfrm>
+            <a:off x="1419421" y="842472"/>
+            <a:ext cx="1264443" cy="1189120"/>
+          </a:xfrm>
+          <a:prstGeom prst="roundRect">
+            <a:avLst/>
+          </a:prstGeom>
+        </p:spPr>
+        <p:style>
+          <a:lnRef idx="1">
+            <a:schemeClr val="accent5"/>
+          </a:lnRef>
+          <a:fillRef idx="2">
+            <a:schemeClr val="accent5"/>
+          </a:fillRef>
+          <a:effectRef idx="1">
+            <a:schemeClr val="accent5"/>
+          </a:effectRef>
+          <a:fontRef idx="minor">
+            <a:schemeClr val="dk1"/>
+          </a:fontRef>
+        </p:style>
+        <p:txBody>
+          <a:bodyPr rtlCol="0" anchor="ctr"/>
+          <a:lstStyle/>
+          <a:p>
+            <a:pPr algn="ctr"/>
+            <a:r>
+              <a:rPr kumimoji="1" lang="en-US" altLang="ja-JP" dirty="0"/>
+              <a:t>Browser</a:t>
+            </a:r>
+            <a:endParaRPr kumimoji="1" lang="ja-JP" altLang="en-US" dirty="0"/>
+          </a:p>
+        </p:txBody>
+      </p:sp>
+      <p:sp>
+        <p:nvSpPr>
+          <p:cNvPr id="11" name="テキスト ボックス 10">
+            <a:extLst>
+              <a:ext uri="{FF2B5EF4-FFF2-40B4-BE49-F238E27FC236}">
+                <a16:creationId xmlns:a16="http://schemas.microsoft.com/office/drawing/2014/main" id="{ABA006AC-0573-4350-B874-39007097B742}"/>
+              </a:ext>
+            </a:extLst>
+          </p:cNvPr>
+          <p:cNvSpPr txBox="1"/>
+          <p:nvPr/>
+        </p:nvSpPr>
+        <p:spPr>
+          <a:xfrm>
+            <a:off x="4840321" y="1646081"/>
+            <a:ext cx="1789749" cy="307777"/>
+          </a:xfrm>
+          <a:prstGeom prst="rect">
+            <a:avLst/>
+          </a:prstGeom>
+          <a:noFill/>
+        </p:spPr>
+        <p:txBody>
+          <a:bodyPr wrap="square" rtlCol="0">
+            <a:spAutoFit/>
+          </a:bodyPr>
+          <a:lstStyle/>
+          <a:p>
+            <a:r>
+              <a:rPr lang="en-US" altLang="ja-JP" sz="1400" dirty="0"/>
+              <a:t>Port Mapping</a:t>
+            </a:r>
+            <a:endParaRPr kumimoji="1" lang="ja-JP" altLang="en-US" sz="1400" dirty="0"/>
+          </a:p>
+        </p:txBody>
+      </p:sp>
+      <p:sp>
+        <p:nvSpPr>
+          <p:cNvPr id="12" name="四角形: 角を丸くする 11">
+            <a:extLst>
+              <a:ext uri="{FF2B5EF4-FFF2-40B4-BE49-F238E27FC236}">
+                <a16:creationId xmlns:a16="http://schemas.microsoft.com/office/drawing/2014/main" id="{E0A9C0ED-363B-4EAD-8F30-58D782286053}"/>
+              </a:ext>
+            </a:extLst>
+          </p:cNvPr>
+          <p:cNvSpPr/>
+          <p:nvPr/>
+        </p:nvSpPr>
+        <p:spPr>
+          <a:xfrm>
+            <a:off x="4075333" y="2640582"/>
+            <a:ext cx="1529976" cy="882235"/>
+          </a:xfrm>
+          <a:prstGeom prst="roundRect">
+            <a:avLst/>
+          </a:prstGeom>
+        </p:spPr>
+        <p:style>
+          <a:lnRef idx="1">
+            <a:schemeClr val="accent5"/>
+          </a:lnRef>
+          <a:fillRef idx="2">
+            <a:schemeClr val="accent5"/>
+          </a:fillRef>
+          <a:effectRef idx="1">
+            <a:schemeClr val="accent5"/>
+          </a:effectRef>
+          <a:fontRef idx="minor">
+            <a:schemeClr val="dk1"/>
+          </a:fontRef>
+        </p:style>
+        <p:txBody>
+          <a:bodyPr rtlCol="0" anchor="ctr"/>
+          <a:lstStyle/>
+          <a:p>
+            <a:pPr algn="ctr"/>
+            <a:r>
+              <a:rPr kumimoji="1" lang="en-US" altLang="ja-JP" sz="1400" dirty="0"/>
+              <a:t>VS</a:t>
+            </a:r>
+            <a:r>
+              <a:rPr kumimoji="1" lang="ja-JP" altLang="en-US" sz="1400" dirty="0"/>
+              <a:t> </a:t>
+            </a:r>
+            <a:r>
+              <a:rPr kumimoji="1" lang="en-US" altLang="ja-JP" sz="1400" dirty="0"/>
+              <a:t>Code Server</a:t>
+            </a:r>
+            <a:endParaRPr kumimoji="1" lang="ja-JP" altLang="en-US" sz="1400" dirty="0"/>
+          </a:p>
+        </p:txBody>
+      </p:sp>
+      <p:cxnSp>
+        <p:nvCxnSpPr>
+          <p:cNvPr id="16" name="コネクタ: カギ線 15">
+            <a:extLst>
+              <a:ext uri="{FF2B5EF4-FFF2-40B4-BE49-F238E27FC236}">
+                <a16:creationId xmlns:a16="http://schemas.microsoft.com/office/drawing/2014/main" id="{F5C60397-D8ED-45CB-8D79-F3CE173AF505}"/>
+              </a:ext>
+            </a:extLst>
+          </p:cNvPr>
+          <p:cNvCxnSpPr>
+            <a:cxnSpLocks/>
+            <a:stCxn id="12" idx="3"/>
+            <a:endCxn id="22" idx="2"/>
+          </p:cNvCxnSpPr>
+          <p:nvPr/>
+        </p:nvCxnSpPr>
+        <p:spPr>
+          <a:xfrm flipV="1">
+            <a:off x="5605309" y="2171657"/>
+            <a:ext cx="1467632" cy="910043"/>
+          </a:xfrm>
+          <a:prstGeom prst="bentConnector3">
+            <a:avLst>
+              <a:gd name="adj1" fmla="val 50000"/>
+            </a:avLst>
+          </a:prstGeom>
+          <a:ln w="28575">
+            <a:headEnd type="none" w="med" len="med"/>
+            <a:tailEnd type="arrow" w="med" len="med"/>
+          </a:ln>
+        </p:spPr>
+        <p:style>
+          <a:lnRef idx="1">
+            <a:schemeClr val="accent2"/>
+          </a:lnRef>
+          <a:fillRef idx="0">
+            <a:schemeClr val="accent2"/>
+          </a:fillRef>
+          <a:effectRef idx="0">
+            <a:schemeClr val="accent2"/>
+          </a:effectRef>
+          <a:fontRef idx="minor">
+            <a:schemeClr val="tx1"/>
+          </a:fontRef>
+        </p:style>
+      </p:cxnSp>
+      <p:sp>
+        <p:nvSpPr>
+          <p:cNvPr id="25" name="フリーフォーム: 図形 24">
+            <a:extLst>
+              <a:ext uri="{FF2B5EF4-FFF2-40B4-BE49-F238E27FC236}">
+                <a16:creationId xmlns:a16="http://schemas.microsoft.com/office/drawing/2014/main" id="{671CEEF3-80C1-40CA-81F6-377B51F5EBF7}"/>
+              </a:ext>
+            </a:extLst>
+          </p:cNvPr>
+          <p:cNvSpPr/>
+          <p:nvPr/>
+        </p:nvSpPr>
+        <p:spPr>
+          <a:xfrm>
+            <a:off x="2485881" y="1929889"/>
+            <a:ext cx="4572000" cy="882236"/>
+          </a:xfrm>
+          <a:custGeom>
+            <a:avLst/>
+            <a:gdLst>
+              <a:gd name="connsiteX0" fmla="*/ 4595 w 4572000"/>
+              <a:gd name="connsiteY0" fmla="*/ 64330 h 882236"/>
+              <a:gd name="connsiteX1" fmla="*/ 0 w 4572000"/>
+              <a:gd name="connsiteY1" fmla="*/ 882236 h 882236"/>
+              <a:gd name="connsiteX2" fmla="*/ 3234863 w 4572000"/>
+              <a:gd name="connsiteY2" fmla="*/ 850071 h 882236"/>
+              <a:gd name="connsiteX3" fmla="*/ 3230268 w 4572000"/>
+              <a:gd name="connsiteY3" fmla="*/ 0 h 882236"/>
+              <a:gd name="connsiteX4" fmla="*/ 4572000 w 4572000"/>
+              <a:gd name="connsiteY4" fmla="*/ 13785 h 882236"/>
+            </a:gdLst>
+            <a:ahLst/>
+            <a:cxnLst>
+              <a:cxn ang="0">
+                <a:pos x="connsiteX0" y="connsiteY0"/>
+              </a:cxn>
+              <a:cxn ang="0">
+                <a:pos x="connsiteX1" y="connsiteY1"/>
+              </a:cxn>
+              <a:cxn ang="0">
+                <a:pos x="connsiteX2" y="connsiteY2"/>
+              </a:cxn>
+              <a:cxn ang="0">
+                <a:pos x="connsiteX3" y="connsiteY3"/>
+              </a:cxn>
+              <a:cxn ang="0">
+                <a:pos x="connsiteX4" y="connsiteY4"/>
+              </a:cxn>
+            </a:cxnLst>
+            <a:rect l="l" t="t" r="r" b="b"/>
+            <a:pathLst>
+              <a:path w="4572000" h="882236">
+                <a:moveTo>
+                  <a:pt x="4595" y="64330"/>
+                </a:moveTo>
+                <a:cubicBezTo>
+                  <a:pt x="3063" y="336965"/>
+                  <a:pt x="1532" y="609601"/>
+                  <a:pt x="0" y="882236"/>
+                </a:cubicBezTo>
+                <a:lnTo>
+                  <a:pt x="3234863" y="850071"/>
+                </a:lnTo>
+                <a:cubicBezTo>
+                  <a:pt x="3233331" y="566714"/>
+                  <a:pt x="3231800" y="283357"/>
+                  <a:pt x="3230268" y="0"/>
+                </a:cubicBezTo>
+                <a:lnTo>
+                  <a:pt x="4572000" y="13785"/>
+                </a:lnTo>
+              </a:path>
+            </a:pathLst>
+          </a:custGeom>
+          <a:ln w="28575">
+            <a:headEnd type="none" w="med" len="med"/>
+            <a:tailEnd type="arrow" w="med" len="med"/>
+          </a:ln>
+        </p:spPr>
+        <p:style>
+          <a:lnRef idx="1">
+            <a:schemeClr val="accent2"/>
+          </a:lnRef>
+          <a:fillRef idx="0">
+            <a:schemeClr val="accent2"/>
+          </a:fillRef>
+          <a:effectRef idx="0">
+            <a:schemeClr val="accent2"/>
+          </a:effectRef>
+          <a:fontRef idx="minor">
+            <a:schemeClr val="tx1"/>
+          </a:fontRef>
+        </p:style>
+        <p:txBody>
+          <a:bodyPr rtlCol="0" anchor="ctr"/>
+          <a:lstStyle/>
+          <a:p>
+            <a:pPr algn="ctr"/>
+            <a:endParaRPr kumimoji="1" lang="ja-JP" altLang="en-US"/>
+          </a:p>
+        </p:txBody>
+      </p:sp>
+      <p:sp>
+        <p:nvSpPr>
+          <p:cNvPr id="33" name="テキスト ボックス 32">
+            <a:extLst>
+              <a:ext uri="{FF2B5EF4-FFF2-40B4-BE49-F238E27FC236}">
+                <a16:creationId xmlns:a16="http://schemas.microsoft.com/office/drawing/2014/main" id="{C7EFB42C-EE2A-4428-A5AE-FEE85B63B190}"/>
+              </a:ext>
+            </a:extLst>
+          </p:cNvPr>
+          <p:cNvSpPr txBox="1"/>
+          <p:nvPr/>
+        </p:nvSpPr>
+        <p:spPr>
+          <a:xfrm>
+            <a:off x="1888404" y="2217118"/>
+            <a:ext cx="1789749" cy="307777"/>
+          </a:xfrm>
+          <a:prstGeom prst="rect">
+            <a:avLst/>
+          </a:prstGeom>
+          <a:noFill/>
+        </p:spPr>
+        <p:txBody>
+          <a:bodyPr wrap="square" rtlCol="0">
+            <a:spAutoFit/>
+          </a:bodyPr>
+          <a:lstStyle/>
+          <a:p>
+            <a:r>
+              <a:rPr lang="en-US" altLang="ja-JP" sz="1400" dirty="0"/>
+              <a:t>Port Forward</a:t>
+            </a:r>
+          </a:p>
+        </p:txBody>
+      </p:sp>
     </p:spTree>
     <p:extLst>
       <p:ext uri="{BB962C8B-B14F-4D97-AF65-F5344CB8AC3E}">
-        <p14:creationId xmlns:p14="http://schemas.microsoft.com/office/powerpoint/2010/main" val="3991826982"/>
+        <p14:creationId xmlns:p14="http://schemas.microsoft.com/office/powerpoint/2010/main" val="333658335"/>
+      </p:ext>
+    </p:extLst>
+  </p:cSld>
+  <p:clrMapOvr>
+    <a:masterClrMapping/>
+  </p:clrMapOvr>
+</p:sld>
+</file>
+
+<file path=ppt/slides/slide4.xml><?xml version="1.0" encoding="utf-8"?>
+<p:sld xmlns:a="http://schemas.openxmlformats.org/drawingml/2006/main" xmlns:r="http://schemas.openxmlformats.org/officeDocument/2006/relationships" xmlns:p="http://schemas.openxmlformats.org/presentationml/2006/main">
+  <p:cSld>
+    <p:spTree>
+      <p:nvGrpSpPr>
+        <p:cNvPr id="1" name=""/>
+        <p:cNvGrpSpPr/>
+        <p:nvPr/>
+      </p:nvGrpSpPr>
+      <p:grpSpPr>
+        <a:xfrm>
+          <a:off x="0" y="0"/>
+          <a:ext cx="0" cy="0"/>
+          <a:chOff x="0" y="0"/>
+          <a:chExt cx="0" cy="0"/>
+        </a:xfrm>
+      </p:grpSpPr>
+      <p:pic>
+        <p:nvPicPr>
+          <p:cNvPr id="3" name="図 2">
+            <a:extLst>
+              <a:ext uri="{FF2B5EF4-FFF2-40B4-BE49-F238E27FC236}">
+                <a16:creationId xmlns:a16="http://schemas.microsoft.com/office/drawing/2014/main" id="{C9735931-4C47-4E23-A806-8743DEC7AA93}"/>
+              </a:ext>
+            </a:extLst>
+          </p:cNvPr>
+          <p:cNvPicPr>
+            <a:picLocks noChangeAspect="1"/>
+          </p:cNvPicPr>
+          <p:nvPr/>
+        </p:nvPicPr>
+        <p:blipFill>
+          <a:blip r:embed="rId2"/>
+          <a:stretch>
+            <a:fillRect/>
+          </a:stretch>
+        </p:blipFill>
+        <p:spPr>
+          <a:xfrm>
+            <a:off x="1057984" y="2606884"/>
+            <a:ext cx="10076033" cy="1644232"/>
+          </a:xfrm>
+          <a:prstGeom prst="rect">
+            <a:avLst/>
+          </a:prstGeom>
+          <a:ln>
+            <a:noFill/>
+          </a:ln>
+          <a:effectLst>
+            <a:outerShdw blurRad="292100" dist="139700" dir="2700000" algn="tl" rotWithShape="0">
+              <a:srgbClr val="333333">
+                <a:alpha val="65000"/>
+              </a:srgbClr>
+            </a:outerShdw>
+          </a:effectLst>
+        </p:spPr>
+      </p:pic>
+    </p:spTree>
+    <p:extLst>
+      <p:ext uri="{BB962C8B-B14F-4D97-AF65-F5344CB8AC3E}">
+        <p14:creationId xmlns:p14="http://schemas.microsoft.com/office/powerpoint/2010/main" val="3268471962"/>
       </p:ext>
     </p:extLst>
   </p:cSld>

--- a/docker-outside-of-vscode-devcontainer/images/figures.pptx
+++ b/docker-outside-of-vscode-devcontainer/images/figures.pptx
@@ -3894,7 +3894,7 @@
         <p:spPr>
           <a:xfrm>
             <a:off x="978624" y="156229"/>
-            <a:ext cx="6198727" cy="6017675"/>
+            <a:ext cx="10924808" cy="6017675"/>
           </a:xfrm>
           <a:prstGeom prst="rect">
             <a:avLst/>
@@ -3942,7 +3942,7 @@
         <p:spPr>
           <a:xfrm>
             <a:off x="3486595" y="943784"/>
-            <a:ext cx="3229654" cy="3311465"/>
+            <a:ext cx="7989396" cy="3311465"/>
           </a:xfrm>
           <a:prstGeom prst="rect">
             <a:avLst/>
@@ -4476,6 +4476,686 @@
           <a:prstGeom prst="bentConnector3">
             <a:avLst>
               <a:gd name="adj1" fmla="val 2835952"/>
+            </a:avLst>
+          </a:prstGeom>
+          <a:ln w="28575">
+            <a:headEnd type="none" w="med" len="med"/>
+            <a:tailEnd type="arrow" w="med" len="med"/>
+          </a:ln>
+        </p:spPr>
+        <p:style>
+          <a:lnRef idx="1">
+            <a:schemeClr val="accent2"/>
+          </a:lnRef>
+          <a:fillRef idx="0">
+            <a:schemeClr val="accent2"/>
+          </a:fillRef>
+          <a:effectRef idx="0">
+            <a:schemeClr val="accent2"/>
+          </a:effectRef>
+          <a:fontRef idx="minor">
+            <a:schemeClr val="tx1"/>
+          </a:fontRef>
+        </p:style>
+      </p:cxnSp>
+      <p:sp>
+        <p:nvSpPr>
+          <p:cNvPr id="63" name="円柱 62">
+            <a:extLst>
+              <a:ext uri="{FF2B5EF4-FFF2-40B4-BE49-F238E27FC236}">
+                <a16:creationId xmlns:a16="http://schemas.microsoft.com/office/drawing/2014/main" id="{760A0D4C-3C98-4A5C-A607-CC8ABC073329}"/>
+              </a:ext>
+            </a:extLst>
+          </p:cNvPr>
+          <p:cNvSpPr/>
+          <p:nvPr/>
+        </p:nvSpPr>
+        <p:spPr>
+          <a:xfrm>
+            <a:off x="6913759" y="4719291"/>
+            <a:ext cx="1308847" cy="1189121"/>
+          </a:xfrm>
+          <a:prstGeom prst="can">
+            <a:avLst/>
+          </a:prstGeom>
+        </p:spPr>
+        <p:style>
+          <a:lnRef idx="2">
+            <a:schemeClr val="accent6">
+              <a:shade val="50000"/>
+            </a:schemeClr>
+          </a:lnRef>
+          <a:fillRef idx="1">
+            <a:schemeClr val="accent6"/>
+          </a:fillRef>
+          <a:effectRef idx="0">
+            <a:schemeClr val="accent6"/>
+          </a:effectRef>
+          <a:fontRef idx="minor">
+            <a:schemeClr val="lt1"/>
+          </a:fontRef>
+        </p:style>
+        <p:txBody>
+          <a:bodyPr rtlCol="0" anchor="ctr"/>
+          <a:lstStyle/>
+          <a:p>
+            <a:pPr algn="ctr"/>
+            <a:r>
+              <a:rPr kumimoji="1" lang="en-US" altLang="ja-JP" dirty="0"/>
+              <a:t>Source Code</a:t>
+            </a:r>
+            <a:endParaRPr kumimoji="1" lang="ja-JP" altLang="en-US" dirty="0"/>
+          </a:p>
+        </p:txBody>
+      </p:sp>
+      <p:sp>
+        <p:nvSpPr>
+          <p:cNvPr id="65" name="直方体 64">
+            <a:extLst>
+              <a:ext uri="{FF2B5EF4-FFF2-40B4-BE49-F238E27FC236}">
+                <a16:creationId xmlns:a16="http://schemas.microsoft.com/office/drawing/2014/main" id="{D008D9F5-8F36-457E-9CC8-86038E2C2209}"/>
+              </a:ext>
+            </a:extLst>
+          </p:cNvPr>
+          <p:cNvSpPr/>
+          <p:nvPr/>
+        </p:nvSpPr>
+        <p:spPr>
+          <a:xfrm>
+            <a:off x="6549195" y="1588653"/>
+            <a:ext cx="2066985" cy="2464422"/>
+          </a:xfrm>
+          <a:prstGeom prst="cube">
+            <a:avLst>
+              <a:gd name="adj" fmla="val 13593"/>
+            </a:avLst>
+          </a:prstGeom>
+        </p:spPr>
+        <p:style>
+          <a:lnRef idx="2">
+            <a:schemeClr val="accent6">
+              <a:shade val="50000"/>
+            </a:schemeClr>
+          </a:lnRef>
+          <a:fillRef idx="1">
+            <a:schemeClr val="accent6"/>
+          </a:fillRef>
+          <a:effectRef idx="0">
+            <a:schemeClr val="accent6"/>
+          </a:effectRef>
+          <a:fontRef idx="minor">
+            <a:schemeClr val="lt1"/>
+          </a:fontRef>
+        </p:style>
+        <p:txBody>
+          <a:bodyPr rtlCol="0" anchor="t"/>
+          <a:lstStyle/>
+          <a:p>
+            <a:pPr algn="ctr"/>
+            <a:r>
+              <a:rPr kumimoji="1" lang="en-US" altLang="ja-JP"/>
+              <a:t>Dev Container</a:t>
+            </a:r>
+            <a:endParaRPr kumimoji="1" lang="ja-JP" altLang="en-US" dirty="0"/>
+          </a:p>
+        </p:txBody>
+      </p:sp>
+      <p:sp>
+        <p:nvSpPr>
+          <p:cNvPr id="67" name="四角形: 角を丸くする 66">
+            <a:extLst>
+              <a:ext uri="{FF2B5EF4-FFF2-40B4-BE49-F238E27FC236}">
+                <a16:creationId xmlns:a16="http://schemas.microsoft.com/office/drawing/2014/main" id="{1C56BB37-8981-447B-8C1A-C5528BE7D5AB}"/>
+              </a:ext>
+            </a:extLst>
+          </p:cNvPr>
+          <p:cNvSpPr/>
+          <p:nvPr/>
+        </p:nvSpPr>
+        <p:spPr>
+          <a:xfrm>
+            <a:off x="6692630" y="3545670"/>
+            <a:ext cx="1529976" cy="378890"/>
+          </a:xfrm>
+          <a:prstGeom prst="roundRect">
+            <a:avLst/>
+          </a:prstGeom>
+        </p:spPr>
+        <p:style>
+          <a:lnRef idx="1">
+            <a:schemeClr val="accent6"/>
+          </a:lnRef>
+          <a:fillRef idx="2">
+            <a:schemeClr val="accent6"/>
+          </a:fillRef>
+          <a:effectRef idx="1">
+            <a:schemeClr val="accent6"/>
+          </a:effectRef>
+          <a:fontRef idx="minor">
+            <a:schemeClr val="dk1"/>
+          </a:fontRef>
+        </p:style>
+        <p:txBody>
+          <a:bodyPr rtlCol="0" anchor="ctr"/>
+          <a:lstStyle/>
+          <a:p>
+            <a:pPr algn="ctr"/>
+            <a:r>
+              <a:rPr kumimoji="1" lang="en-US" altLang="ja-JP" sz="1400" dirty="0"/>
+              <a:t>SDK-1</a:t>
+            </a:r>
+            <a:endParaRPr kumimoji="1" lang="ja-JP" altLang="en-US" sz="1400" dirty="0"/>
+          </a:p>
+        </p:txBody>
+      </p:sp>
+      <p:cxnSp>
+        <p:nvCxnSpPr>
+          <p:cNvPr id="69" name="直線矢印コネクタ 68">
+            <a:extLst>
+              <a:ext uri="{FF2B5EF4-FFF2-40B4-BE49-F238E27FC236}">
+                <a16:creationId xmlns:a16="http://schemas.microsoft.com/office/drawing/2014/main" id="{F9333044-9878-4BEA-847E-07F05FE1FF4D}"/>
+              </a:ext>
+            </a:extLst>
+          </p:cNvPr>
+          <p:cNvCxnSpPr>
+            <a:cxnSpLocks/>
+          </p:cNvCxnSpPr>
+          <p:nvPr/>
+        </p:nvCxnSpPr>
+        <p:spPr>
+          <a:xfrm>
+            <a:off x="7532326" y="4039833"/>
+            <a:ext cx="0" cy="817924"/>
+          </a:xfrm>
+          <a:prstGeom prst="straightConnector1">
+            <a:avLst/>
+          </a:prstGeom>
+          <a:ln w="28575">
+            <a:headEnd type="none" w="med" len="med"/>
+            <a:tailEnd type="arrow" w="med" len="med"/>
+          </a:ln>
+        </p:spPr>
+        <p:style>
+          <a:lnRef idx="1">
+            <a:schemeClr val="accent2"/>
+          </a:lnRef>
+          <a:fillRef idx="0">
+            <a:schemeClr val="accent2"/>
+          </a:fillRef>
+          <a:effectRef idx="0">
+            <a:schemeClr val="accent2"/>
+          </a:effectRef>
+          <a:fontRef idx="minor">
+            <a:schemeClr val="tx1"/>
+          </a:fontRef>
+        </p:style>
+      </p:cxnSp>
+      <p:sp>
+        <p:nvSpPr>
+          <p:cNvPr id="71" name="四角形: 角を丸くする 70">
+            <a:extLst>
+              <a:ext uri="{FF2B5EF4-FFF2-40B4-BE49-F238E27FC236}">
+                <a16:creationId xmlns:a16="http://schemas.microsoft.com/office/drawing/2014/main" id="{21341F66-DB20-4A95-AAA3-F6C3E9101561}"/>
+              </a:ext>
+            </a:extLst>
+          </p:cNvPr>
+          <p:cNvSpPr/>
+          <p:nvPr/>
+        </p:nvSpPr>
+        <p:spPr>
+          <a:xfrm>
+            <a:off x="6690350" y="3079395"/>
+            <a:ext cx="1529976" cy="416779"/>
+          </a:xfrm>
+          <a:prstGeom prst="roundRect">
+            <a:avLst/>
+          </a:prstGeom>
+        </p:spPr>
+        <p:style>
+          <a:lnRef idx="1">
+            <a:schemeClr val="accent6"/>
+          </a:lnRef>
+          <a:fillRef idx="2">
+            <a:schemeClr val="accent6"/>
+          </a:fillRef>
+          <a:effectRef idx="1">
+            <a:schemeClr val="accent6"/>
+          </a:effectRef>
+          <a:fontRef idx="minor">
+            <a:schemeClr val="dk1"/>
+          </a:fontRef>
+        </p:style>
+        <p:txBody>
+          <a:bodyPr rtlCol="0" anchor="ctr"/>
+          <a:lstStyle/>
+          <a:p>
+            <a:pPr algn="ctr"/>
+            <a:r>
+              <a:rPr kumimoji="1" lang="en-US" altLang="ja-JP" sz="1400" dirty="0"/>
+              <a:t>VS</a:t>
+            </a:r>
+            <a:r>
+              <a:rPr kumimoji="1" lang="ja-JP" altLang="en-US" sz="1400" dirty="0"/>
+              <a:t> </a:t>
+            </a:r>
+            <a:r>
+              <a:rPr kumimoji="1" lang="en-US" altLang="ja-JP" sz="1400" dirty="0"/>
+              <a:t>Code Server</a:t>
+            </a:r>
+            <a:endParaRPr kumimoji="1" lang="ja-JP" altLang="en-US" sz="1400" dirty="0"/>
+          </a:p>
+        </p:txBody>
+      </p:sp>
+      <p:sp>
+        <p:nvSpPr>
+          <p:cNvPr id="73" name="四角形: 角を丸くする 72">
+            <a:extLst>
+              <a:ext uri="{FF2B5EF4-FFF2-40B4-BE49-F238E27FC236}">
+                <a16:creationId xmlns:a16="http://schemas.microsoft.com/office/drawing/2014/main" id="{56AD996B-9E5B-4AED-A633-23184B7C0A16}"/>
+              </a:ext>
+            </a:extLst>
+          </p:cNvPr>
+          <p:cNvSpPr/>
+          <p:nvPr/>
+        </p:nvSpPr>
+        <p:spPr>
+          <a:xfrm>
+            <a:off x="6700049" y="2468541"/>
+            <a:ext cx="1529976" cy="378890"/>
+          </a:xfrm>
+          <a:prstGeom prst="roundRect">
+            <a:avLst/>
+          </a:prstGeom>
+        </p:spPr>
+        <p:style>
+          <a:lnRef idx="1">
+            <a:schemeClr val="accent6"/>
+          </a:lnRef>
+          <a:fillRef idx="2">
+            <a:schemeClr val="accent6"/>
+          </a:fillRef>
+          <a:effectRef idx="1">
+            <a:schemeClr val="accent6"/>
+          </a:effectRef>
+          <a:fontRef idx="minor">
+            <a:schemeClr val="dk1"/>
+          </a:fontRef>
+        </p:style>
+        <p:txBody>
+          <a:bodyPr rtlCol="0" anchor="ctr"/>
+          <a:lstStyle/>
+          <a:p>
+            <a:pPr algn="ctr"/>
+            <a:r>
+              <a:rPr kumimoji="1" lang="en-US" altLang="ja-JP" sz="1400" dirty="0"/>
+              <a:t>App-1</a:t>
+            </a:r>
+            <a:endParaRPr kumimoji="1" lang="ja-JP" altLang="en-US" sz="1400" dirty="0"/>
+          </a:p>
+        </p:txBody>
+      </p:sp>
+      <p:cxnSp>
+        <p:nvCxnSpPr>
+          <p:cNvPr id="75" name="コネクタ: カギ線 74">
+            <a:extLst>
+              <a:ext uri="{FF2B5EF4-FFF2-40B4-BE49-F238E27FC236}">
+                <a16:creationId xmlns:a16="http://schemas.microsoft.com/office/drawing/2014/main" id="{D6405FE9-635B-4E55-A2F7-57AEC8967484}"/>
+              </a:ext>
+            </a:extLst>
+          </p:cNvPr>
+          <p:cNvCxnSpPr>
+            <a:cxnSpLocks/>
+            <a:stCxn id="71" idx="3"/>
+            <a:endCxn id="73" idx="3"/>
+          </p:cNvCxnSpPr>
+          <p:nvPr/>
+        </p:nvCxnSpPr>
+        <p:spPr>
+          <a:xfrm flipV="1">
+            <a:off x="8220326" y="2657986"/>
+            <a:ext cx="9699" cy="629799"/>
+          </a:xfrm>
+          <a:prstGeom prst="bentConnector3">
+            <a:avLst>
+              <a:gd name="adj1" fmla="val 2456944"/>
+            </a:avLst>
+          </a:prstGeom>
+          <a:ln w="28575">
+            <a:headEnd type="none" w="med" len="med"/>
+            <a:tailEnd type="arrow" w="med" len="med"/>
+          </a:ln>
+        </p:spPr>
+        <p:style>
+          <a:lnRef idx="1">
+            <a:schemeClr val="accent2"/>
+          </a:lnRef>
+          <a:fillRef idx="0">
+            <a:schemeClr val="accent2"/>
+          </a:fillRef>
+          <a:effectRef idx="0">
+            <a:schemeClr val="accent2"/>
+          </a:effectRef>
+          <a:fontRef idx="minor">
+            <a:schemeClr val="tx1"/>
+          </a:fontRef>
+        </p:style>
+      </p:cxnSp>
+      <p:sp>
+        <p:nvSpPr>
+          <p:cNvPr id="77" name="円柱 76">
+            <a:extLst>
+              <a:ext uri="{FF2B5EF4-FFF2-40B4-BE49-F238E27FC236}">
+                <a16:creationId xmlns:a16="http://schemas.microsoft.com/office/drawing/2014/main" id="{66BD15FC-471F-44C5-9CB9-02B2835E85F2}"/>
+              </a:ext>
+            </a:extLst>
+          </p:cNvPr>
+          <p:cNvSpPr/>
+          <p:nvPr/>
+        </p:nvSpPr>
+        <p:spPr>
+          <a:xfrm>
+            <a:off x="9547647" y="4719291"/>
+            <a:ext cx="1308847" cy="1189121"/>
+          </a:xfrm>
+          <a:prstGeom prst="can">
+            <a:avLst/>
+          </a:prstGeom>
+        </p:spPr>
+        <p:style>
+          <a:lnRef idx="1">
+            <a:schemeClr val="accent4"/>
+          </a:lnRef>
+          <a:fillRef idx="3">
+            <a:schemeClr val="accent4"/>
+          </a:fillRef>
+          <a:effectRef idx="2">
+            <a:schemeClr val="accent4"/>
+          </a:effectRef>
+          <a:fontRef idx="minor">
+            <a:schemeClr val="lt1"/>
+          </a:fontRef>
+        </p:style>
+        <p:txBody>
+          <a:bodyPr rtlCol="0" anchor="ctr"/>
+          <a:lstStyle/>
+          <a:p>
+            <a:pPr algn="ctr"/>
+            <a:r>
+              <a:rPr kumimoji="1" lang="en-US" altLang="ja-JP" dirty="0"/>
+              <a:t>Source Code</a:t>
+            </a:r>
+            <a:endParaRPr kumimoji="1" lang="ja-JP" altLang="en-US" dirty="0"/>
+          </a:p>
+        </p:txBody>
+      </p:sp>
+      <p:sp>
+        <p:nvSpPr>
+          <p:cNvPr id="79" name="直方体 78">
+            <a:extLst>
+              <a:ext uri="{FF2B5EF4-FFF2-40B4-BE49-F238E27FC236}">
+                <a16:creationId xmlns:a16="http://schemas.microsoft.com/office/drawing/2014/main" id="{C2321D90-C595-4939-9B33-98B68FC2E7BA}"/>
+              </a:ext>
+            </a:extLst>
+          </p:cNvPr>
+          <p:cNvSpPr/>
+          <p:nvPr/>
+        </p:nvSpPr>
+        <p:spPr>
+          <a:xfrm>
+            <a:off x="9183083" y="1588653"/>
+            <a:ext cx="2066985" cy="2464422"/>
+          </a:xfrm>
+          <a:prstGeom prst="cube">
+            <a:avLst>
+              <a:gd name="adj" fmla="val 13593"/>
+            </a:avLst>
+          </a:prstGeom>
+        </p:spPr>
+        <p:style>
+          <a:lnRef idx="1">
+            <a:schemeClr val="accent4"/>
+          </a:lnRef>
+          <a:fillRef idx="3">
+            <a:schemeClr val="accent4"/>
+          </a:fillRef>
+          <a:effectRef idx="2">
+            <a:schemeClr val="accent4"/>
+          </a:effectRef>
+          <a:fontRef idx="minor">
+            <a:schemeClr val="lt1"/>
+          </a:fontRef>
+        </p:style>
+        <p:txBody>
+          <a:bodyPr rtlCol="0" anchor="t"/>
+          <a:lstStyle/>
+          <a:p>
+            <a:pPr algn="ctr"/>
+            <a:r>
+              <a:rPr kumimoji="1" lang="en-US" altLang="ja-JP"/>
+              <a:t>Dev Container</a:t>
+            </a:r>
+            <a:endParaRPr kumimoji="1" lang="ja-JP" altLang="en-US" dirty="0"/>
+          </a:p>
+        </p:txBody>
+      </p:sp>
+      <p:sp>
+        <p:nvSpPr>
+          <p:cNvPr id="81" name="四角形: 角を丸くする 80">
+            <a:extLst>
+              <a:ext uri="{FF2B5EF4-FFF2-40B4-BE49-F238E27FC236}">
+                <a16:creationId xmlns:a16="http://schemas.microsoft.com/office/drawing/2014/main" id="{55F1C892-C990-4F48-8390-C734D2A66C0A}"/>
+              </a:ext>
+            </a:extLst>
+          </p:cNvPr>
+          <p:cNvSpPr/>
+          <p:nvPr/>
+        </p:nvSpPr>
+        <p:spPr>
+          <a:xfrm>
+            <a:off x="9326518" y="3545670"/>
+            <a:ext cx="1529976" cy="378890"/>
+          </a:xfrm>
+          <a:prstGeom prst="roundRect">
+            <a:avLst/>
+          </a:prstGeom>
+        </p:spPr>
+        <p:style>
+          <a:lnRef idx="1">
+            <a:schemeClr val="accent4"/>
+          </a:lnRef>
+          <a:fillRef idx="2">
+            <a:schemeClr val="accent4"/>
+          </a:fillRef>
+          <a:effectRef idx="1">
+            <a:schemeClr val="accent4"/>
+          </a:effectRef>
+          <a:fontRef idx="minor">
+            <a:schemeClr val="dk1"/>
+          </a:fontRef>
+        </p:style>
+        <p:txBody>
+          <a:bodyPr rtlCol="0" anchor="ctr"/>
+          <a:lstStyle/>
+          <a:p>
+            <a:pPr algn="ctr"/>
+            <a:r>
+              <a:rPr kumimoji="1" lang="en-US" altLang="ja-JP" sz="1400" dirty="0"/>
+              <a:t>SDK-2</a:t>
+            </a:r>
+            <a:endParaRPr kumimoji="1" lang="ja-JP" altLang="en-US" sz="1400" dirty="0"/>
+          </a:p>
+        </p:txBody>
+      </p:sp>
+      <p:cxnSp>
+        <p:nvCxnSpPr>
+          <p:cNvPr id="83" name="直線矢印コネクタ 82">
+            <a:extLst>
+              <a:ext uri="{FF2B5EF4-FFF2-40B4-BE49-F238E27FC236}">
+                <a16:creationId xmlns:a16="http://schemas.microsoft.com/office/drawing/2014/main" id="{32534FE1-F54C-401D-B436-644B580A6141}"/>
+              </a:ext>
+            </a:extLst>
+          </p:cNvPr>
+          <p:cNvCxnSpPr>
+            <a:cxnSpLocks/>
+          </p:cNvCxnSpPr>
+          <p:nvPr/>
+        </p:nvCxnSpPr>
+        <p:spPr>
+          <a:xfrm>
+            <a:off x="10166214" y="4039833"/>
+            <a:ext cx="0" cy="817924"/>
+          </a:xfrm>
+          <a:prstGeom prst="straightConnector1">
+            <a:avLst/>
+          </a:prstGeom>
+          <a:ln w="28575">
+            <a:headEnd type="none" w="med" len="med"/>
+            <a:tailEnd type="arrow" w="med" len="med"/>
+          </a:ln>
+        </p:spPr>
+        <p:style>
+          <a:lnRef idx="1">
+            <a:schemeClr val="accent2"/>
+          </a:lnRef>
+          <a:fillRef idx="0">
+            <a:schemeClr val="accent2"/>
+          </a:fillRef>
+          <a:effectRef idx="0">
+            <a:schemeClr val="accent2"/>
+          </a:effectRef>
+          <a:fontRef idx="minor">
+            <a:schemeClr val="tx1"/>
+          </a:fontRef>
+        </p:style>
+      </p:cxnSp>
+      <p:sp>
+        <p:nvSpPr>
+          <p:cNvPr id="85" name="四角形: 角を丸くする 84">
+            <a:extLst>
+              <a:ext uri="{FF2B5EF4-FFF2-40B4-BE49-F238E27FC236}">
+                <a16:creationId xmlns:a16="http://schemas.microsoft.com/office/drawing/2014/main" id="{4B9AD46E-CE26-47A4-AAEB-91B6B1A0C846}"/>
+              </a:ext>
+            </a:extLst>
+          </p:cNvPr>
+          <p:cNvSpPr/>
+          <p:nvPr/>
+        </p:nvSpPr>
+        <p:spPr>
+          <a:xfrm>
+            <a:off x="9324238" y="3079395"/>
+            <a:ext cx="1529976" cy="416779"/>
+          </a:xfrm>
+          <a:prstGeom prst="roundRect">
+            <a:avLst/>
+          </a:prstGeom>
+        </p:spPr>
+        <p:style>
+          <a:lnRef idx="1">
+            <a:schemeClr val="accent4"/>
+          </a:lnRef>
+          <a:fillRef idx="2">
+            <a:schemeClr val="accent4"/>
+          </a:fillRef>
+          <a:effectRef idx="1">
+            <a:schemeClr val="accent4"/>
+          </a:effectRef>
+          <a:fontRef idx="minor">
+            <a:schemeClr val="dk1"/>
+          </a:fontRef>
+        </p:style>
+        <p:txBody>
+          <a:bodyPr rtlCol="0" anchor="ctr"/>
+          <a:lstStyle/>
+          <a:p>
+            <a:pPr algn="ctr"/>
+            <a:r>
+              <a:rPr kumimoji="1" lang="en-US" altLang="ja-JP" sz="1400" dirty="0"/>
+              <a:t>VS</a:t>
+            </a:r>
+            <a:r>
+              <a:rPr kumimoji="1" lang="ja-JP" altLang="en-US" sz="1400" dirty="0"/>
+              <a:t> </a:t>
+            </a:r>
+            <a:r>
+              <a:rPr kumimoji="1" lang="en-US" altLang="ja-JP" sz="1400" dirty="0"/>
+              <a:t>Code Server</a:t>
+            </a:r>
+            <a:endParaRPr kumimoji="1" lang="ja-JP" altLang="en-US" sz="1400" dirty="0"/>
+          </a:p>
+        </p:txBody>
+      </p:sp>
+      <p:sp>
+        <p:nvSpPr>
+          <p:cNvPr id="87" name="四角形: 角を丸くする 86">
+            <a:extLst>
+              <a:ext uri="{FF2B5EF4-FFF2-40B4-BE49-F238E27FC236}">
+                <a16:creationId xmlns:a16="http://schemas.microsoft.com/office/drawing/2014/main" id="{E8DAE169-0688-4BDB-A1B7-7111B3BF516B}"/>
+              </a:ext>
+            </a:extLst>
+          </p:cNvPr>
+          <p:cNvSpPr/>
+          <p:nvPr/>
+        </p:nvSpPr>
+        <p:spPr>
+          <a:xfrm>
+            <a:off x="9333937" y="2468541"/>
+            <a:ext cx="1529976" cy="378890"/>
+          </a:xfrm>
+          <a:prstGeom prst="roundRect">
+            <a:avLst/>
+          </a:prstGeom>
+        </p:spPr>
+        <p:style>
+          <a:lnRef idx="1">
+            <a:schemeClr val="accent4"/>
+          </a:lnRef>
+          <a:fillRef idx="2">
+            <a:schemeClr val="accent4"/>
+          </a:fillRef>
+          <a:effectRef idx="1">
+            <a:schemeClr val="accent4"/>
+          </a:effectRef>
+          <a:fontRef idx="minor">
+            <a:schemeClr val="dk1"/>
+          </a:fontRef>
+        </p:style>
+        <p:txBody>
+          <a:bodyPr rtlCol="0" anchor="ctr"/>
+          <a:lstStyle/>
+          <a:p>
+            <a:pPr algn="ctr"/>
+            <a:r>
+              <a:rPr kumimoji="1" lang="en-US" altLang="ja-JP" sz="1400" dirty="0"/>
+              <a:t>App-2</a:t>
+            </a:r>
+            <a:endParaRPr kumimoji="1" lang="ja-JP" altLang="en-US" sz="1400" dirty="0"/>
+          </a:p>
+        </p:txBody>
+      </p:sp>
+      <p:cxnSp>
+        <p:nvCxnSpPr>
+          <p:cNvPr id="89" name="コネクタ: カギ線 88">
+            <a:extLst>
+              <a:ext uri="{FF2B5EF4-FFF2-40B4-BE49-F238E27FC236}">
+                <a16:creationId xmlns:a16="http://schemas.microsoft.com/office/drawing/2014/main" id="{94B386E6-E060-407D-A2A8-FC6C7D776BD8}"/>
+              </a:ext>
+            </a:extLst>
+          </p:cNvPr>
+          <p:cNvCxnSpPr>
+            <a:cxnSpLocks/>
+            <a:stCxn id="85" idx="3"/>
+            <a:endCxn id="87" idx="3"/>
+          </p:cNvCxnSpPr>
+          <p:nvPr/>
+        </p:nvCxnSpPr>
+        <p:spPr>
+          <a:xfrm flipV="1">
+            <a:off x="10854214" y="2657986"/>
+            <a:ext cx="9699" cy="629799"/>
+          </a:xfrm>
+          <a:prstGeom prst="bentConnector3">
+            <a:avLst>
+              <a:gd name="adj1" fmla="val 2456944"/>
             </a:avLst>
           </a:prstGeom>
           <a:ln w="28575">
